--- a/CPEM2018 Full Paper/CPEM2018.pptx
+++ b/CPEM2018 Full Paper/CPEM2018.pptx
@@ -13,15 +13,16 @@
     <p:sldId id="262" r:id="rId7"/>
     <p:sldId id="264" r:id="rId8"/>
     <p:sldId id="268" r:id="rId9"/>
-    <p:sldId id="263" r:id="rId10"/>
-    <p:sldId id="266" r:id="rId11"/>
-    <p:sldId id="265" r:id="rId12"/>
-    <p:sldId id="267" r:id="rId13"/>
-    <p:sldId id="269" r:id="rId14"/>
-    <p:sldId id="270" r:id="rId15"/>
-    <p:sldId id="271" r:id="rId16"/>
-    <p:sldId id="272" r:id="rId17"/>
-    <p:sldId id="273" r:id="rId18"/>
+    <p:sldId id="274" r:id="rId10"/>
+    <p:sldId id="263" r:id="rId11"/>
+    <p:sldId id="266" r:id="rId12"/>
+    <p:sldId id="265" r:id="rId13"/>
+    <p:sldId id="267" r:id="rId14"/>
+    <p:sldId id="269" r:id="rId15"/>
+    <p:sldId id="270" r:id="rId16"/>
+    <p:sldId id="271" r:id="rId17"/>
+    <p:sldId id="272" r:id="rId18"/>
+    <p:sldId id="273" r:id="rId19"/>
   </p:sldIdLst>
   <p:sldSz cx="12192000" cy="6858000"/>
   <p:notesSz cx="6858000" cy="9144000"/>
@@ -185,7 +186,6 @@
           </a:p>
         </c:rich>
       </c:tx>
-      <c:layout/>
       <c:overlay val="0"/>
       <c:spPr>
         <a:noFill/>
@@ -958,11 +958,11 @@
           <c:showBubbleSize val="0"/>
         </c:dLbls>
         <c:smooth val="0"/>
-        <c:axId val="187398448"/>
-        <c:axId val="187693456"/>
+        <c:axId val="170549096"/>
+        <c:axId val="170549488"/>
       </c:lineChart>
       <c:catAx>
-        <c:axId val="187398448"/>
+        <c:axId val="170549096"/>
         <c:scaling>
           <c:orientation val="minMax"/>
         </c:scaling>
@@ -1005,7 +1005,7 @@
             <a:endParaRPr lang="pt-BR"/>
           </a:p>
         </c:txPr>
-        <c:crossAx val="187693456"/>
+        <c:crossAx val="170549488"/>
         <c:crosses val="autoZero"/>
         <c:auto val="1"/>
         <c:lblAlgn val="ctr"/>
@@ -1013,7 +1013,7 @@
         <c:noMultiLvlLbl val="0"/>
       </c:catAx>
       <c:valAx>
-        <c:axId val="187693456"/>
+        <c:axId val="170549488"/>
         <c:scaling>
           <c:orientation val="minMax"/>
         </c:scaling>
@@ -1064,7 +1064,7 @@
             <a:endParaRPr lang="pt-BR"/>
           </a:p>
         </c:txPr>
-        <c:crossAx val="187398448"/>
+        <c:crossAx val="170549096"/>
         <c:crosses val="autoZero"/>
         <c:crossBetween val="between"/>
       </c:valAx>
@@ -1078,7 +1078,6 @@
     </c:plotArea>
     <c:legend>
       <c:legendPos val="b"/>
-      <c:layout/>
       <c:overlay val="0"/>
       <c:spPr>
         <a:noFill/>
@@ -1175,7 +1174,6 @@
           </a:p>
         </c:rich>
       </c:tx>
-      <c:layout/>
       <c:overlay val="0"/>
       <c:spPr>
         <a:noFill/>
@@ -1302,11 +1300,11 @@
         </c:dLbls>
         <c:marker val="1"/>
         <c:smooth val="0"/>
-        <c:axId val="189007592"/>
-        <c:axId val="189007984"/>
+        <c:axId val="172508864"/>
+        <c:axId val="172509256"/>
       </c:lineChart>
       <c:catAx>
-        <c:axId val="189007592"/>
+        <c:axId val="172508864"/>
         <c:scaling>
           <c:orientation val="minMax"/>
         </c:scaling>
@@ -1348,7 +1346,7 @@
             <a:endParaRPr lang="pt-BR"/>
           </a:p>
         </c:txPr>
-        <c:crossAx val="189007984"/>
+        <c:crossAx val="172509256"/>
         <c:crosses val="autoZero"/>
         <c:auto val="1"/>
         <c:lblAlgn val="ctr"/>
@@ -1356,7 +1354,7 @@
         <c:noMultiLvlLbl val="0"/>
       </c:catAx>
       <c:valAx>
-        <c:axId val="189007984"/>
+        <c:axId val="172509256"/>
         <c:scaling>
           <c:orientation val="minMax"/>
         </c:scaling>
@@ -1407,7 +1405,7 @@
             <a:endParaRPr lang="pt-BR"/>
           </a:p>
         </c:txPr>
-        <c:crossAx val="189007592"/>
+        <c:crossAx val="172508864"/>
         <c:crosses val="autoZero"/>
         <c:crossBetween val="between"/>
       </c:valAx>
@@ -1421,7 +1419,6 @@
     </c:plotArea>
     <c:legend>
       <c:legendPos val="b"/>
-      <c:layout/>
       <c:overlay val="0"/>
       <c:spPr>
         <a:noFill/>
@@ -1525,7 +1522,6 @@
           </a:p>
         </c:rich>
       </c:tx>
-      <c:layout/>
       <c:overlay val="0"/>
       <c:spPr>
         <a:noFill/>
@@ -1652,11 +1648,11 @@
         </c:dLbls>
         <c:marker val="1"/>
         <c:smooth val="0"/>
-        <c:axId val="189008768"/>
-        <c:axId val="189009160"/>
+        <c:axId val="172510040"/>
+        <c:axId val="172180320"/>
       </c:lineChart>
       <c:catAx>
-        <c:axId val="189008768"/>
+        <c:axId val="172510040"/>
         <c:scaling>
           <c:orientation val="minMax"/>
         </c:scaling>
@@ -1688,7 +1684,6 @@
               </a:p>
             </c:rich>
           </c:tx>
-          <c:layout/>
           <c:overlay val="0"/>
           <c:spPr>
             <a:noFill/>
@@ -1754,7 +1749,7 @@
             <a:endParaRPr lang="pt-BR"/>
           </a:p>
         </c:txPr>
-        <c:crossAx val="189009160"/>
+        <c:crossAx val="172180320"/>
         <c:crosses val="autoZero"/>
         <c:auto val="1"/>
         <c:lblAlgn val="ctr"/>
@@ -1762,7 +1757,7 @@
         <c:noMultiLvlLbl val="0"/>
       </c:catAx>
       <c:valAx>
-        <c:axId val="189009160"/>
+        <c:axId val="172180320"/>
         <c:scaling>
           <c:orientation val="minMax"/>
         </c:scaling>
@@ -1813,7 +1808,7 @@
             <a:endParaRPr lang="pt-BR"/>
           </a:p>
         </c:txPr>
-        <c:crossAx val="189008768"/>
+        <c:crossAx val="172510040"/>
         <c:crosses val="autoZero"/>
         <c:crossBetween val="between"/>
       </c:valAx>
@@ -1899,7 +1894,6 @@
           </a:p>
         </c:rich>
       </c:tx>
-      <c:layout/>
       <c:overlay val="0"/>
       <c:spPr>
         <a:noFill/>
@@ -2089,11 +2083,11 @@
         </c:dLbls>
         <c:marker val="1"/>
         <c:smooth val="0"/>
-        <c:axId val="188790544"/>
-        <c:axId val="188790936"/>
+        <c:axId val="172181104"/>
+        <c:axId val="172181496"/>
       </c:lineChart>
       <c:catAx>
-        <c:axId val="188790544"/>
+        <c:axId val="172181104"/>
         <c:scaling>
           <c:orientation val="minMax"/>
         </c:scaling>
@@ -2135,7 +2129,7 @@
             <a:endParaRPr lang="pt-BR"/>
           </a:p>
         </c:txPr>
-        <c:crossAx val="188790936"/>
+        <c:crossAx val="172181496"/>
         <c:crosses val="autoZero"/>
         <c:auto val="1"/>
         <c:lblAlgn val="ctr"/>
@@ -2143,7 +2137,7 @@
         <c:noMultiLvlLbl val="0"/>
       </c:catAx>
       <c:valAx>
-        <c:axId val="188790936"/>
+        <c:axId val="172181496"/>
         <c:scaling>
           <c:orientation val="minMax"/>
         </c:scaling>
@@ -2194,7 +2188,7 @@
             <a:endParaRPr lang="pt-BR"/>
           </a:p>
         </c:txPr>
-        <c:crossAx val="188790544"/>
+        <c:crossAx val="172181104"/>
         <c:crosses val="autoZero"/>
         <c:crossBetween val="between"/>
       </c:valAx>
@@ -2208,7 +2202,6 @@
     </c:plotArea>
     <c:legend>
       <c:legendPos val="b"/>
-      <c:layout/>
       <c:overlay val="0"/>
       <c:spPr>
         <a:noFill/>
@@ -2312,7 +2305,6 @@
           </a:p>
         </c:rich>
       </c:tx>
-      <c:layout/>
       <c:overlay val="0"/>
       <c:spPr>
         <a:noFill/>
@@ -2502,11 +2494,11 @@
         </c:dLbls>
         <c:marker val="1"/>
         <c:smooth val="0"/>
-        <c:axId val="188791720"/>
-        <c:axId val="188792112"/>
+        <c:axId val="172182280"/>
+        <c:axId val="172182672"/>
       </c:lineChart>
       <c:catAx>
-        <c:axId val="188791720"/>
+        <c:axId val="172182280"/>
         <c:scaling>
           <c:orientation val="minMax"/>
         </c:scaling>
@@ -2548,7 +2540,7 @@
             <a:endParaRPr lang="pt-BR"/>
           </a:p>
         </c:txPr>
-        <c:crossAx val="188792112"/>
+        <c:crossAx val="172182672"/>
         <c:crosses val="autoZero"/>
         <c:auto val="1"/>
         <c:lblAlgn val="ctr"/>
@@ -2556,7 +2548,7 @@
         <c:noMultiLvlLbl val="0"/>
       </c:catAx>
       <c:valAx>
-        <c:axId val="188792112"/>
+        <c:axId val="172182672"/>
         <c:scaling>
           <c:orientation val="minMax"/>
         </c:scaling>
@@ -2607,7 +2599,7 @@
             <a:endParaRPr lang="pt-BR"/>
           </a:p>
         </c:txPr>
-        <c:crossAx val="188791720"/>
+        <c:crossAx val="172182280"/>
         <c:crosses val="autoZero"/>
         <c:crossBetween val="between"/>
       </c:valAx>
@@ -2621,7 +2613,6 @@
     </c:plotArea>
     <c:legend>
       <c:legendPos val="b"/>
-      <c:layout/>
       <c:overlay val="0"/>
       <c:spPr>
         <a:noFill/>
@@ -2730,7 +2721,6 @@
           </a:p>
         </c:rich>
       </c:tx>
-      <c:layout/>
       <c:overlay val="0"/>
       <c:spPr>
         <a:noFill/>
@@ -2920,11 +2910,11 @@
         </c:dLbls>
         <c:marker val="1"/>
         <c:smooth val="0"/>
-        <c:axId val="188792896"/>
-        <c:axId val="188793288"/>
+        <c:axId val="172183456"/>
+        <c:axId val="172183848"/>
       </c:lineChart>
       <c:catAx>
-        <c:axId val="188792896"/>
+        <c:axId val="172183456"/>
         <c:scaling>
           <c:orientation val="minMax"/>
         </c:scaling>
@@ -2966,7 +2956,7 @@
             <a:endParaRPr lang="pt-BR"/>
           </a:p>
         </c:txPr>
-        <c:crossAx val="188793288"/>
+        <c:crossAx val="172183848"/>
         <c:crosses val="autoZero"/>
         <c:auto val="1"/>
         <c:lblAlgn val="ctr"/>
@@ -2974,7 +2964,7 @@
         <c:noMultiLvlLbl val="0"/>
       </c:catAx>
       <c:valAx>
-        <c:axId val="188793288"/>
+        <c:axId val="172183848"/>
         <c:scaling>
           <c:orientation val="minMax"/>
         </c:scaling>
@@ -3025,7 +3015,7 @@
             <a:endParaRPr lang="pt-BR"/>
           </a:p>
         </c:txPr>
-        <c:crossAx val="188792896"/>
+        <c:crossAx val="172183456"/>
         <c:crosses val="autoZero"/>
         <c:crossBetween val="between"/>
       </c:valAx>
@@ -3039,7 +3029,6 @@
     </c:plotArea>
     <c:legend>
       <c:legendPos val="b"/>
-      <c:layout/>
       <c:overlay val="0"/>
       <c:spPr>
         <a:noFill/>
@@ -3148,7 +3137,6 @@
           </a:p>
         </c:rich>
       </c:tx>
-      <c:layout/>
       <c:overlay val="0"/>
       <c:spPr>
         <a:noFill/>
@@ -3338,11 +3326,11 @@
         </c:dLbls>
         <c:marker val="1"/>
         <c:smooth val="0"/>
-        <c:axId val="189173464"/>
-        <c:axId val="189173856"/>
+        <c:axId val="172036224"/>
+        <c:axId val="172036616"/>
       </c:lineChart>
       <c:catAx>
-        <c:axId val="189173464"/>
+        <c:axId val="172036224"/>
         <c:scaling>
           <c:orientation val="minMax"/>
         </c:scaling>
@@ -3384,7 +3372,7 @@
             <a:endParaRPr lang="pt-BR"/>
           </a:p>
         </c:txPr>
-        <c:crossAx val="189173856"/>
+        <c:crossAx val="172036616"/>
         <c:crosses val="autoZero"/>
         <c:auto val="1"/>
         <c:lblAlgn val="ctr"/>
@@ -3392,7 +3380,7 @@
         <c:noMultiLvlLbl val="0"/>
       </c:catAx>
       <c:valAx>
-        <c:axId val="189173856"/>
+        <c:axId val="172036616"/>
         <c:scaling>
           <c:orientation val="minMax"/>
         </c:scaling>
@@ -3443,7 +3431,7 @@
             <a:endParaRPr lang="pt-BR"/>
           </a:p>
         </c:txPr>
-        <c:crossAx val="189173464"/>
+        <c:crossAx val="172036224"/>
         <c:crosses val="autoZero"/>
         <c:crossBetween val="between"/>
       </c:valAx>
@@ -3457,7 +3445,6 @@
     </c:plotArea>
     <c:legend>
       <c:legendPos val="b"/>
-      <c:layout/>
       <c:overlay val="0"/>
       <c:spPr>
         <a:noFill/>
@@ -3758,11 +3745,11 @@
         </c:dLbls>
         <c:marker val="1"/>
         <c:smooth val="0"/>
-        <c:axId val="189174640"/>
-        <c:axId val="189175032"/>
+        <c:axId val="172037400"/>
+        <c:axId val="172037792"/>
       </c:lineChart>
       <c:catAx>
-        <c:axId val="189174640"/>
+        <c:axId val="172037400"/>
         <c:scaling>
           <c:orientation val="minMax"/>
         </c:scaling>
@@ -3804,7 +3791,7 @@
             <a:endParaRPr lang="pt-BR"/>
           </a:p>
         </c:txPr>
-        <c:crossAx val="189175032"/>
+        <c:crossAx val="172037792"/>
         <c:crosses val="autoZero"/>
         <c:auto val="1"/>
         <c:lblAlgn val="ctr"/>
@@ -3812,7 +3799,7 @@
         <c:noMultiLvlLbl val="0"/>
       </c:catAx>
       <c:valAx>
-        <c:axId val="189175032"/>
+        <c:axId val="172037792"/>
         <c:scaling>
           <c:orientation val="minMax"/>
           <c:max val="0.997"/>
@@ -3865,7 +3852,7 @@
             <a:endParaRPr lang="pt-BR"/>
           </a:p>
         </c:txPr>
-        <c:crossAx val="189174640"/>
+        <c:crossAx val="172037400"/>
         <c:crosses val="autoZero"/>
         <c:crossBetween val="between"/>
       </c:valAx>
@@ -4179,11 +4166,11 @@
         </c:dLbls>
         <c:marker val="1"/>
         <c:smooth val="0"/>
-        <c:axId val="189175816"/>
-        <c:axId val="189176208"/>
+        <c:axId val="172038576"/>
+        <c:axId val="172038968"/>
       </c:lineChart>
       <c:catAx>
-        <c:axId val="189175816"/>
+        <c:axId val="172038576"/>
         <c:scaling>
           <c:orientation val="minMax"/>
         </c:scaling>
@@ -4225,7 +4212,7 @@
             <a:endParaRPr lang="pt-BR"/>
           </a:p>
         </c:txPr>
-        <c:crossAx val="189176208"/>
+        <c:crossAx val="172038968"/>
         <c:crosses val="autoZero"/>
         <c:auto val="1"/>
         <c:lblAlgn val="ctr"/>
@@ -4233,7 +4220,7 @@
         <c:noMultiLvlLbl val="0"/>
       </c:catAx>
       <c:valAx>
-        <c:axId val="189176208"/>
+        <c:axId val="172038968"/>
         <c:scaling>
           <c:orientation val="minMax"/>
         </c:scaling>
@@ -4284,7 +4271,7 @@
             <a:endParaRPr lang="pt-BR"/>
           </a:p>
         </c:txPr>
-        <c:crossAx val="189175816"/>
+        <c:crossAx val="172038576"/>
         <c:crosses val="autoZero"/>
         <c:crossBetween val="between"/>
       </c:valAx>
@@ -4598,11 +4585,11 @@
         </c:dLbls>
         <c:marker val="1"/>
         <c:smooth val="0"/>
-        <c:axId val="189176992"/>
-        <c:axId val="189333024"/>
+        <c:axId val="219258528"/>
+        <c:axId val="219258920"/>
       </c:lineChart>
       <c:catAx>
-        <c:axId val="189176992"/>
+        <c:axId val="219258528"/>
         <c:scaling>
           <c:orientation val="minMax"/>
         </c:scaling>
@@ -4644,7 +4631,7 @@
             <a:endParaRPr lang="pt-BR"/>
           </a:p>
         </c:txPr>
-        <c:crossAx val="189333024"/>
+        <c:crossAx val="219258920"/>
         <c:crosses val="autoZero"/>
         <c:auto val="1"/>
         <c:lblAlgn val="ctr"/>
@@ -4652,7 +4639,7 @@
         <c:noMultiLvlLbl val="0"/>
       </c:catAx>
       <c:valAx>
-        <c:axId val="189333024"/>
+        <c:axId val="219258920"/>
         <c:scaling>
           <c:orientation val="minMax"/>
         </c:scaling>
@@ -4703,7 +4690,7 @@
             <a:endParaRPr lang="pt-BR"/>
           </a:p>
         </c:txPr>
-        <c:crossAx val="189176992"/>
+        <c:crossAx val="219258528"/>
         <c:crosses val="autoZero"/>
         <c:crossBetween val="between"/>
       </c:valAx>
@@ -5014,11 +5001,11 @@
         </c:dLbls>
         <c:marker val="1"/>
         <c:smooth val="0"/>
-        <c:axId val="189333808"/>
-        <c:axId val="189334200"/>
+        <c:axId val="219259704"/>
+        <c:axId val="219260096"/>
       </c:lineChart>
       <c:catAx>
-        <c:axId val="189333808"/>
+        <c:axId val="219259704"/>
         <c:scaling>
           <c:orientation val="minMax"/>
         </c:scaling>
@@ -5060,7 +5047,7 @@
             <a:endParaRPr lang="pt-BR"/>
           </a:p>
         </c:txPr>
-        <c:crossAx val="189334200"/>
+        <c:crossAx val="219260096"/>
         <c:crosses val="autoZero"/>
         <c:auto val="1"/>
         <c:lblAlgn val="ctr"/>
@@ -5068,7 +5055,7 @@
         <c:noMultiLvlLbl val="0"/>
       </c:catAx>
       <c:valAx>
-        <c:axId val="189334200"/>
+        <c:axId val="219260096"/>
         <c:scaling>
           <c:orientation val="minMax"/>
         </c:scaling>
@@ -5119,7 +5106,7 @@
             <a:endParaRPr lang="pt-BR"/>
           </a:p>
         </c:txPr>
-        <c:crossAx val="189333808"/>
+        <c:crossAx val="219259704"/>
         <c:crosses val="autoZero"/>
         <c:crossBetween val="between"/>
       </c:valAx>
@@ -5241,7 +5228,6 @@
           </a:p>
         </c:rich>
       </c:tx>
-      <c:layout/>
       <c:overlay val="0"/>
       <c:spPr>
         <a:noFill/>
@@ -6014,11 +6000,11 @@
           <c:showBubbleSize val="0"/>
         </c:dLbls>
         <c:smooth val="0"/>
-        <c:axId val="136692968"/>
-        <c:axId val="186866480"/>
+        <c:axId val="170550272"/>
+        <c:axId val="170550664"/>
       </c:lineChart>
       <c:catAx>
-        <c:axId val="136692968"/>
+        <c:axId val="170550272"/>
         <c:scaling>
           <c:orientation val="minMax"/>
         </c:scaling>
@@ -6061,7 +6047,7 @@
             <a:endParaRPr lang="pt-BR"/>
           </a:p>
         </c:txPr>
-        <c:crossAx val="186866480"/>
+        <c:crossAx val="170550664"/>
         <c:crosses val="autoZero"/>
         <c:auto val="1"/>
         <c:lblAlgn val="ctr"/>
@@ -6069,7 +6055,7 @@
         <c:noMultiLvlLbl val="0"/>
       </c:catAx>
       <c:valAx>
-        <c:axId val="186866480"/>
+        <c:axId val="170550664"/>
         <c:scaling>
           <c:orientation val="minMax"/>
         </c:scaling>
@@ -6120,7 +6106,7 @@
             <a:endParaRPr lang="pt-BR"/>
           </a:p>
         </c:txPr>
-        <c:crossAx val="136692968"/>
+        <c:crossAx val="170550272"/>
         <c:crosses val="autoZero"/>
         <c:crossBetween val="between"/>
       </c:valAx>
@@ -6134,7 +6120,6 @@
     </c:plotArea>
     <c:legend>
       <c:legendPos val="b"/>
-      <c:layout/>
       <c:overlay val="0"/>
       <c:spPr>
         <a:noFill/>
@@ -6425,11 +6410,11 @@
         </c:dLbls>
         <c:marker val="1"/>
         <c:smooth val="0"/>
-        <c:axId val="189334984"/>
-        <c:axId val="189335376"/>
+        <c:axId val="219260880"/>
+        <c:axId val="219261272"/>
       </c:lineChart>
       <c:catAx>
-        <c:axId val="189334984"/>
+        <c:axId val="219260880"/>
         <c:scaling>
           <c:orientation val="minMax"/>
         </c:scaling>
@@ -6471,7 +6456,7 @@
             <a:endParaRPr lang="pt-BR"/>
           </a:p>
         </c:txPr>
-        <c:crossAx val="189335376"/>
+        <c:crossAx val="219261272"/>
         <c:crosses val="autoZero"/>
         <c:auto val="1"/>
         <c:lblAlgn val="ctr"/>
@@ -6479,7 +6464,7 @@
         <c:noMultiLvlLbl val="0"/>
       </c:catAx>
       <c:valAx>
-        <c:axId val="189335376"/>
+        <c:axId val="219261272"/>
         <c:scaling>
           <c:orientation val="minMax"/>
         </c:scaling>
@@ -6530,7 +6515,7 @@
             <a:endParaRPr lang="pt-BR"/>
           </a:p>
         </c:txPr>
-        <c:crossAx val="189334984"/>
+        <c:crossAx val="219260880"/>
         <c:crosses val="autoZero"/>
         <c:crossBetween val="between"/>
       </c:valAx>
@@ -6840,11 +6825,11 @@
         </c:dLbls>
         <c:marker val="1"/>
         <c:smooth val="0"/>
-        <c:axId val="189336160"/>
-        <c:axId val="189336552"/>
+        <c:axId val="219262056"/>
+        <c:axId val="219736568"/>
       </c:lineChart>
       <c:catAx>
-        <c:axId val="189336160"/>
+        <c:axId val="219262056"/>
         <c:scaling>
           <c:orientation val="minMax"/>
         </c:scaling>
@@ -6886,7 +6871,7 @@
             <a:endParaRPr lang="pt-BR"/>
           </a:p>
         </c:txPr>
-        <c:crossAx val="189336552"/>
+        <c:crossAx val="219736568"/>
         <c:crosses val="autoZero"/>
         <c:auto val="1"/>
         <c:lblAlgn val="ctr"/>
@@ -6894,7 +6879,7 @@
         <c:noMultiLvlLbl val="0"/>
       </c:catAx>
       <c:valAx>
-        <c:axId val="189336552"/>
+        <c:axId val="219736568"/>
         <c:scaling>
           <c:orientation val="minMax"/>
         </c:scaling>
@@ -6945,7 +6930,7 @@
             <a:endParaRPr lang="pt-BR"/>
           </a:p>
         </c:txPr>
-        <c:crossAx val="189336160"/>
+        <c:crossAx val="219262056"/>
         <c:crosses val="autoZero"/>
         <c:crossBetween val="between"/>
       </c:valAx>
@@ -7253,11 +7238,11 @@
         </c:dLbls>
         <c:marker val="1"/>
         <c:smooth val="0"/>
-        <c:axId val="219386248"/>
-        <c:axId val="219386640"/>
+        <c:axId val="219737352"/>
+        <c:axId val="219737744"/>
       </c:lineChart>
       <c:catAx>
-        <c:axId val="219386248"/>
+        <c:axId val="219737352"/>
         <c:scaling>
           <c:orientation val="minMax"/>
         </c:scaling>
@@ -7299,7 +7284,7 @@
             <a:endParaRPr lang="pt-BR"/>
           </a:p>
         </c:txPr>
-        <c:crossAx val="219386640"/>
+        <c:crossAx val="219737744"/>
         <c:crosses val="autoZero"/>
         <c:auto val="1"/>
         <c:lblAlgn val="ctr"/>
@@ -7307,7 +7292,7 @@
         <c:noMultiLvlLbl val="0"/>
       </c:catAx>
       <c:valAx>
-        <c:axId val="219386640"/>
+        <c:axId val="219737744"/>
         <c:scaling>
           <c:orientation val="minMax"/>
         </c:scaling>
@@ -7358,7 +7343,7 @@
             <a:endParaRPr lang="pt-BR"/>
           </a:p>
         </c:txPr>
-        <c:crossAx val="219386248"/>
+        <c:crossAx val="219737352"/>
         <c:crosses val="autoZero"/>
         <c:crossBetween val="between"/>
       </c:valAx>
@@ -7658,11 +7643,11 @@
         </c:dLbls>
         <c:marker val="1"/>
         <c:smooth val="0"/>
-        <c:axId val="219387424"/>
-        <c:axId val="219387816"/>
+        <c:axId val="219738528"/>
+        <c:axId val="219738920"/>
       </c:lineChart>
       <c:catAx>
-        <c:axId val="219387424"/>
+        <c:axId val="219738528"/>
         <c:scaling>
           <c:orientation val="minMax"/>
         </c:scaling>
@@ -7704,7 +7689,7 @@
             <a:endParaRPr lang="pt-BR"/>
           </a:p>
         </c:txPr>
-        <c:crossAx val="219387816"/>
+        <c:crossAx val="219738920"/>
         <c:crosses val="autoZero"/>
         <c:auto val="1"/>
         <c:lblAlgn val="ctr"/>
@@ -7712,7 +7697,7 @@
         <c:noMultiLvlLbl val="0"/>
       </c:catAx>
       <c:valAx>
-        <c:axId val="219387816"/>
+        <c:axId val="219738920"/>
         <c:scaling>
           <c:orientation val="minMax"/>
         </c:scaling>
@@ -7763,7 +7748,7 @@
             <a:endParaRPr lang="pt-BR"/>
           </a:p>
         </c:txPr>
-        <c:crossAx val="219387424"/>
+        <c:crossAx val="219738528"/>
         <c:crosses val="autoZero"/>
         <c:crossBetween val="between"/>
       </c:valAx>
@@ -8073,11 +8058,11 @@
         </c:dLbls>
         <c:marker val="1"/>
         <c:smooth val="0"/>
-        <c:axId val="219388600"/>
-        <c:axId val="219388992"/>
+        <c:axId val="219739704"/>
+        <c:axId val="219740096"/>
       </c:lineChart>
       <c:catAx>
-        <c:axId val="219388600"/>
+        <c:axId val="219739704"/>
         <c:scaling>
           <c:orientation val="minMax"/>
         </c:scaling>
@@ -8119,7 +8104,7 @@
             <a:endParaRPr lang="pt-BR"/>
           </a:p>
         </c:txPr>
-        <c:crossAx val="219388992"/>
+        <c:crossAx val="219740096"/>
         <c:crosses val="autoZero"/>
         <c:auto val="1"/>
         <c:lblAlgn val="ctr"/>
@@ -8127,7 +8112,7 @@
         <c:noMultiLvlLbl val="0"/>
       </c:catAx>
       <c:valAx>
-        <c:axId val="219388992"/>
+        <c:axId val="219740096"/>
         <c:scaling>
           <c:orientation val="minMax"/>
         </c:scaling>
@@ -8178,7 +8163,7 @@
             <a:endParaRPr lang="pt-BR"/>
           </a:p>
         </c:txPr>
-        <c:crossAx val="219388600"/>
+        <c:crossAx val="219739704"/>
         <c:crosses val="autoZero"/>
         <c:crossBetween val="between"/>
       </c:valAx>
@@ -8300,7 +8285,6 @@
           </a:p>
         </c:rich>
       </c:tx>
-      <c:layout/>
       <c:overlay val="0"/>
       <c:spPr>
         <a:noFill/>
@@ -8490,11 +8474,11 @@
         </c:dLbls>
         <c:marker val="1"/>
         <c:smooth val="0"/>
-        <c:axId val="219774856"/>
-        <c:axId val="219775248"/>
+        <c:axId val="219786120"/>
+        <c:axId val="219786512"/>
       </c:lineChart>
       <c:catAx>
-        <c:axId val="219774856"/>
+        <c:axId val="219786120"/>
         <c:scaling>
           <c:orientation val="minMax"/>
         </c:scaling>
@@ -8536,7 +8520,7 @@
             <a:endParaRPr lang="pt-BR"/>
           </a:p>
         </c:txPr>
-        <c:crossAx val="219775248"/>
+        <c:crossAx val="219786512"/>
         <c:crosses val="autoZero"/>
         <c:auto val="1"/>
         <c:lblAlgn val="ctr"/>
@@ -8544,7 +8528,7 @@
         <c:noMultiLvlLbl val="0"/>
       </c:catAx>
       <c:valAx>
-        <c:axId val="219775248"/>
+        <c:axId val="219786512"/>
         <c:scaling>
           <c:orientation val="minMax"/>
         </c:scaling>
@@ -8595,7 +8579,7 @@
             <a:endParaRPr lang="pt-BR"/>
           </a:p>
         </c:txPr>
-        <c:crossAx val="219774856"/>
+        <c:crossAx val="219786120"/>
         <c:crosses val="autoZero"/>
         <c:crossBetween val="between"/>
       </c:valAx>
@@ -8609,7 +8593,6 @@
     </c:plotArea>
     <c:legend>
       <c:legendPos val="b"/>
-      <c:layout/>
       <c:overlay val="0"/>
       <c:spPr>
         <a:noFill/>
@@ -8713,7 +8696,6 @@
           </a:p>
         </c:rich>
       </c:tx>
-      <c:layout/>
       <c:overlay val="0"/>
       <c:spPr>
         <a:noFill/>
@@ -8921,11 +8903,11 @@
         </c:dLbls>
         <c:marker val="1"/>
         <c:smooth val="0"/>
-        <c:axId val="219776032"/>
-        <c:axId val="219776424"/>
+        <c:axId val="219787688"/>
+        <c:axId val="219788080"/>
       </c:lineChart>
       <c:catAx>
-        <c:axId val="219776032"/>
+        <c:axId val="219787688"/>
         <c:scaling>
           <c:orientation val="minMax"/>
         </c:scaling>
@@ -8967,7 +8949,7 @@
             <a:endParaRPr lang="pt-BR"/>
           </a:p>
         </c:txPr>
-        <c:crossAx val="219776424"/>
+        <c:crossAx val="219788080"/>
         <c:crosses val="autoZero"/>
         <c:auto val="1"/>
         <c:lblAlgn val="ctr"/>
@@ -8975,7 +8957,7 @@
         <c:noMultiLvlLbl val="0"/>
       </c:catAx>
       <c:valAx>
-        <c:axId val="219776424"/>
+        <c:axId val="219788080"/>
         <c:scaling>
           <c:orientation val="minMax"/>
         </c:scaling>
@@ -9026,7 +9008,7 @@
             <a:endParaRPr lang="pt-BR"/>
           </a:p>
         </c:txPr>
-        <c:crossAx val="219776032"/>
+        <c:crossAx val="219787688"/>
         <c:crosses val="autoZero"/>
         <c:crossBetween val="between"/>
       </c:valAx>
@@ -9040,7 +9022,6 @@
     </c:plotArea>
     <c:legend>
       <c:legendPos val="b"/>
-      <c:layout/>
       <c:overlay val="0"/>
       <c:spPr>
         <a:noFill/>
@@ -9144,7 +9125,6 @@
           </a:p>
         </c:rich>
       </c:tx>
-      <c:layout/>
       <c:overlay val="0"/>
       <c:spPr>
         <a:noFill/>
@@ -9352,11 +9332,11 @@
         </c:dLbls>
         <c:marker val="1"/>
         <c:smooth val="0"/>
-        <c:axId val="219777208"/>
-        <c:axId val="219777600"/>
+        <c:axId val="219788864"/>
+        <c:axId val="219789256"/>
       </c:lineChart>
       <c:catAx>
-        <c:axId val="219777208"/>
+        <c:axId val="219788864"/>
         <c:scaling>
           <c:orientation val="minMax"/>
         </c:scaling>
@@ -9398,7 +9378,7 @@
             <a:endParaRPr lang="pt-BR"/>
           </a:p>
         </c:txPr>
-        <c:crossAx val="219777600"/>
+        <c:crossAx val="219789256"/>
         <c:crosses val="autoZero"/>
         <c:auto val="1"/>
         <c:lblAlgn val="ctr"/>
@@ -9406,7 +9386,7 @@
         <c:noMultiLvlLbl val="0"/>
       </c:catAx>
       <c:valAx>
-        <c:axId val="219777600"/>
+        <c:axId val="219789256"/>
         <c:scaling>
           <c:orientation val="minMax"/>
         </c:scaling>
@@ -9457,7 +9437,7 @@
             <a:endParaRPr lang="pt-BR"/>
           </a:p>
         </c:txPr>
-        <c:crossAx val="219777208"/>
+        <c:crossAx val="219788864"/>
         <c:crosses val="autoZero"/>
         <c:crossBetween val="between"/>
       </c:valAx>
@@ -9471,7 +9451,6 @@
     </c:plotArea>
     <c:legend>
       <c:legendPos val="b"/>
-      <c:layout/>
       <c:overlay val="0"/>
       <c:spPr>
         <a:noFill/>
@@ -9580,7 +9559,6 @@
           </a:p>
         </c:rich>
       </c:tx>
-      <c:layout/>
       <c:overlay val="0"/>
       <c:spPr>
         <a:noFill/>
@@ -9770,11 +9748,11 @@
         </c:dLbls>
         <c:marker val="1"/>
         <c:smooth val="0"/>
-        <c:axId val="219778384"/>
-        <c:axId val="219085888"/>
+        <c:axId val="219472040"/>
+        <c:axId val="219472432"/>
       </c:lineChart>
       <c:catAx>
-        <c:axId val="219778384"/>
+        <c:axId val="219472040"/>
         <c:scaling>
           <c:orientation val="minMax"/>
         </c:scaling>
@@ -9816,7 +9794,7 @@
             <a:endParaRPr lang="pt-BR"/>
           </a:p>
         </c:txPr>
-        <c:crossAx val="219085888"/>
+        <c:crossAx val="219472432"/>
         <c:crosses val="autoZero"/>
         <c:auto val="1"/>
         <c:lblAlgn val="ctr"/>
@@ -9824,7 +9802,7 @@
         <c:noMultiLvlLbl val="0"/>
       </c:catAx>
       <c:valAx>
-        <c:axId val="219085888"/>
+        <c:axId val="219472432"/>
         <c:scaling>
           <c:orientation val="minMax"/>
         </c:scaling>
@@ -9875,7 +9853,7 @@
             <a:endParaRPr lang="pt-BR"/>
           </a:p>
         </c:txPr>
-        <c:crossAx val="219778384"/>
+        <c:crossAx val="219472040"/>
         <c:crosses val="autoZero"/>
         <c:crossBetween val="between"/>
       </c:valAx>
@@ -9889,7 +9867,6 @@
     </c:plotArea>
     <c:legend>
       <c:legendPos val="b"/>
-      <c:layout/>
       <c:overlay val="0"/>
       <c:spPr>
         <a:noFill/>
@@ -9998,7 +9975,6 @@
           </a:p>
         </c:rich>
       </c:tx>
-      <c:layout/>
       <c:overlay val="0"/>
       <c:spPr>
         <a:noFill/>
@@ -10245,11 +10221,11 @@
         </c:dLbls>
         <c:marker val="1"/>
         <c:smooth val="0"/>
-        <c:axId val="219086672"/>
-        <c:axId val="219087064"/>
+        <c:axId val="219473216"/>
+        <c:axId val="219473608"/>
       </c:lineChart>
       <c:catAx>
-        <c:axId val="219086672"/>
+        <c:axId val="219473216"/>
         <c:scaling>
           <c:orientation val="minMax"/>
         </c:scaling>
@@ -10291,7 +10267,7 @@
             <a:endParaRPr lang="pt-BR"/>
           </a:p>
         </c:txPr>
-        <c:crossAx val="219087064"/>
+        <c:crossAx val="219473608"/>
         <c:crosses val="autoZero"/>
         <c:auto val="1"/>
         <c:lblAlgn val="ctr"/>
@@ -10299,7 +10275,7 @@
         <c:noMultiLvlLbl val="0"/>
       </c:catAx>
       <c:valAx>
-        <c:axId val="219087064"/>
+        <c:axId val="219473608"/>
         <c:scaling>
           <c:orientation val="minMax"/>
         </c:scaling>
@@ -10350,7 +10326,7 @@
             <a:endParaRPr lang="pt-BR"/>
           </a:p>
         </c:txPr>
-        <c:crossAx val="219086672"/>
+        <c:crossAx val="219473216"/>
         <c:crosses val="autoZero"/>
         <c:crossBetween val="between"/>
       </c:valAx>
@@ -10364,7 +10340,6 @@
     </c:plotArea>
     <c:legend>
       <c:legendPos val="b"/>
-      <c:layout/>
       <c:overlay val="0"/>
       <c:spPr>
         <a:noFill/>
@@ -10473,7 +10448,6 @@
           </a:p>
         </c:rich>
       </c:tx>
-      <c:layout/>
       <c:overlay val="0"/>
       <c:spPr>
         <a:noFill/>
@@ -11246,11 +11220,11 @@
           <c:showBubbleSize val="0"/>
         </c:dLbls>
         <c:smooth val="0"/>
-        <c:axId val="188556064"/>
-        <c:axId val="188556448"/>
+        <c:axId val="171671312"/>
+        <c:axId val="171671704"/>
       </c:lineChart>
       <c:catAx>
-        <c:axId val="188556064"/>
+        <c:axId val="171671312"/>
         <c:scaling>
           <c:orientation val="minMax"/>
         </c:scaling>
@@ -11293,7 +11267,7 @@
             <a:endParaRPr lang="pt-BR"/>
           </a:p>
         </c:txPr>
-        <c:crossAx val="188556448"/>
+        <c:crossAx val="171671704"/>
         <c:crosses val="autoZero"/>
         <c:auto val="1"/>
         <c:lblAlgn val="ctr"/>
@@ -11301,7 +11275,7 @@
         <c:noMultiLvlLbl val="0"/>
       </c:catAx>
       <c:valAx>
-        <c:axId val="188556448"/>
+        <c:axId val="171671704"/>
         <c:scaling>
           <c:orientation val="minMax"/>
         </c:scaling>
@@ -11352,7 +11326,7 @@
             <a:endParaRPr lang="pt-BR"/>
           </a:p>
         </c:txPr>
-        <c:crossAx val="188556064"/>
+        <c:crossAx val="171671312"/>
         <c:crosses val="autoZero"/>
         <c:crossBetween val="between"/>
       </c:valAx>
@@ -11366,7 +11340,6 @@
     </c:plotArea>
     <c:legend>
       <c:legendPos val="b"/>
-      <c:layout/>
       <c:overlay val="0"/>
       <c:spPr>
         <a:noFill/>
@@ -11468,7 +11441,6 @@
           </a:p>
         </c:rich>
       </c:tx>
-      <c:layout/>
       <c:overlay val="0"/>
       <c:spPr>
         <a:noFill/>
@@ -11652,11 +11624,11 @@
         </c:dLbls>
         <c:marker val="1"/>
         <c:smooth val="0"/>
-        <c:axId val="219087848"/>
-        <c:axId val="219088240"/>
+        <c:axId val="219474392"/>
+        <c:axId val="219474784"/>
       </c:lineChart>
       <c:catAx>
-        <c:axId val="219087848"/>
+        <c:axId val="219474392"/>
         <c:scaling>
           <c:orientation val="minMax"/>
         </c:scaling>
@@ -11698,7 +11670,7 @@
             <a:endParaRPr lang="pt-BR"/>
           </a:p>
         </c:txPr>
-        <c:crossAx val="219088240"/>
+        <c:crossAx val="219474784"/>
         <c:crosses val="autoZero"/>
         <c:auto val="1"/>
         <c:lblAlgn val="ctr"/>
@@ -11706,7 +11678,7 @@
         <c:noMultiLvlLbl val="0"/>
       </c:catAx>
       <c:valAx>
-        <c:axId val="219088240"/>
+        <c:axId val="219474784"/>
         <c:scaling>
           <c:orientation val="minMax"/>
         </c:scaling>
@@ -11757,7 +11729,7 @@
             <a:endParaRPr lang="pt-BR"/>
           </a:p>
         </c:txPr>
-        <c:crossAx val="219087848"/>
+        <c:crossAx val="219474392"/>
         <c:crosses val="autoZero"/>
         <c:crossBetween val="between"/>
       </c:valAx>
@@ -11771,7 +11743,6 @@
     </c:plotArea>
     <c:legend>
       <c:legendPos val="b"/>
-      <c:layout/>
       <c:overlay val="0"/>
       <c:spPr>
         <a:noFill/>
@@ -11875,7 +11846,6 @@
           </a:p>
         </c:rich>
       </c:tx>
-      <c:layout/>
       <c:overlay val="0"/>
       <c:spPr>
         <a:noFill/>
@@ -12116,11 +12086,11 @@
         </c:dLbls>
         <c:marker val="1"/>
         <c:smooth val="0"/>
-        <c:axId val="219089024"/>
-        <c:axId val="219089416"/>
+        <c:axId val="220426168"/>
+        <c:axId val="220426560"/>
       </c:lineChart>
       <c:catAx>
-        <c:axId val="219089024"/>
+        <c:axId val="220426168"/>
         <c:scaling>
           <c:orientation val="minMax"/>
         </c:scaling>
@@ -12162,7 +12132,7 @@
             <a:endParaRPr lang="pt-BR"/>
           </a:p>
         </c:txPr>
-        <c:crossAx val="219089416"/>
+        <c:crossAx val="220426560"/>
         <c:crosses val="autoZero"/>
         <c:auto val="1"/>
         <c:lblAlgn val="ctr"/>
@@ -12170,7 +12140,7 @@
         <c:noMultiLvlLbl val="0"/>
       </c:catAx>
       <c:valAx>
-        <c:axId val="219089416"/>
+        <c:axId val="220426560"/>
         <c:scaling>
           <c:orientation val="minMax"/>
         </c:scaling>
@@ -12221,7 +12191,7 @@
             <a:endParaRPr lang="pt-BR"/>
           </a:p>
         </c:txPr>
-        <c:crossAx val="219089024"/>
+        <c:crossAx val="220426168"/>
         <c:crosses val="autoZero"/>
         <c:crossBetween val="between"/>
       </c:valAx>
@@ -12235,7 +12205,6 @@
     </c:plotArea>
     <c:legend>
       <c:legendPos val="b"/>
-      <c:layout/>
       <c:overlay val="0"/>
       <c:spPr>
         <a:noFill/>
@@ -12339,7 +12308,6 @@
           </a:p>
         </c:rich>
       </c:tx>
-      <c:layout/>
       <c:overlay val="0"/>
       <c:spPr>
         <a:noFill/>
@@ -12577,11 +12545,11 @@
         </c:dLbls>
         <c:marker val="1"/>
         <c:smooth val="0"/>
-        <c:axId val="220147992"/>
-        <c:axId val="220148384"/>
+        <c:axId val="220427344"/>
+        <c:axId val="220427736"/>
       </c:lineChart>
       <c:catAx>
-        <c:axId val="220147992"/>
+        <c:axId val="220427344"/>
         <c:scaling>
           <c:orientation val="minMax"/>
         </c:scaling>
@@ -12623,7 +12591,7 @@
             <a:endParaRPr lang="pt-BR"/>
           </a:p>
         </c:txPr>
-        <c:crossAx val="220148384"/>
+        <c:crossAx val="220427736"/>
         <c:crosses val="autoZero"/>
         <c:auto val="1"/>
         <c:lblAlgn val="ctr"/>
@@ -12631,7 +12599,7 @@
         <c:noMultiLvlLbl val="0"/>
       </c:catAx>
       <c:valAx>
-        <c:axId val="220148384"/>
+        <c:axId val="220427736"/>
         <c:scaling>
           <c:orientation val="minMax"/>
         </c:scaling>
@@ -12682,7 +12650,7 @@
             <a:endParaRPr lang="pt-BR"/>
           </a:p>
         </c:txPr>
-        <c:crossAx val="220147992"/>
+        <c:crossAx val="220427344"/>
         <c:crosses val="autoZero"/>
         <c:crossBetween val="between"/>
       </c:valAx>
@@ -12696,7 +12664,6 @@
     </c:plotArea>
     <c:legend>
       <c:legendPos val="b"/>
-      <c:layout/>
       <c:overlay val="0"/>
       <c:spPr>
         <a:noFill/>
@@ -12800,7 +12767,6 @@
           </a:p>
         </c:rich>
       </c:tx>
-      <c:layout/>
       <c:overlay val="0"/>
       <c:spPr>
         <a:noFill/>
@@ -13041,11 +13007,11 @@
         </c:dLbls>
         <c:marker val="1"/>
         <c:smooth val="0"/>
-        <c:axId val="220149168"/>
-        <c:axId val="220149560"/>
+        <c:axId val="220428520"/>
+        <c:axId val="220428912"/>
       </c:lineChart>
       <c:catAx>
-        <c:axId val="220149168"/>
+        <c:axId val="220428520"/>
         <c:scaling>
           <c:orientation val="minMax"/>
         </c:scaling>
@@ -13087,7 +13053,7 @@
             <a:endParaRPr lang="pt-BR"/>
           </a:p>
         </c:txPr>
-        <c:crossAx val="220149560"/>
+        <c:crossAx val="220428912"/>
         <c:crosses val="autoZero"/>
         <c:auto val="1"/>
         <c:lblAlgn val="ctr"/>
@@ -13095,7 +13061,7 @@
         <c:noMultiLvlLbl val="0"/>
       </c:catAx>
       <c:valAx>
-        <c:axId val="220149560"/>
+        <c:axId val="220428912"/>
         <c:scaling>
           <c:orientation val="minMax"/>
         </c:scaling>
@@ -13146,7 +13112,7 @@
             <a:endParaRPr lang="pt-BR"/>
           </a:p>
         </c:txPr>
-        <c:crossAx val="220149168"/>
+        <c:crossAx val="220428520"/>
         <c:crosses val="autoZero"/>
         <c:crossBetween val="between"/>
       </c:valAx>
@@ -13160,7 +13126,6 @@
     </c:plotArea>
     <c:legend>
       <c:legendPos val="b"/>
-      <c:layout/>
       <c:overlay val="0"/>
       <c:spPr>
         <a:noFill/>
@@ -13264,7 +13229,6 @@
           </a:p>
         </c:rich>
       </c:tx>
-      <c:layout/>
       <c:overlay val="0"/>
       <c:spPr>
         <a:noFill/>
@@ -13505,11 +13469,11 @@
         </c:dLbls>
         <c:marker val="1"/>
         <c:smooth val="0"/>
-        <c:axId val="220150344"/>
-        <c:axId val="220150736"/>
+        <c:axId val="220429696"/>
+        <c:axId val="220810096"/>
       </c:lineChart>
       <c:catAx>
-        <c:axId val="220150344"/>
+        <c:axId val="220429696"/>
         <c:scaling>
           <c:orientation val="minMax"/>
         </c:scaling>
@@ -13551,7 +13515,7 @@
             <a:endParaRPr lang="pt-BR"/>
           </a:p>
         </c:txPr>
-        <c:crossAx val="220150736"/>
+        <c:crossAx val="220810096"/>
         <c:crosses val="autoZero"/>
         <c:auto val="1"/>
         <c:lblAlgn val="ctr"/>
@@ -13559,7 +13523,7 @@
         <c:noMultiLvlLbl val="0"/>
       </c:catAx>
       <c:valAx>
-        <c:axId val="220150736"/>
+        <c:axId val="220810096"/>
         <c:scaling>
           <c:orientation val="minMax"/>
         </c:scaling>
@@ -13610,7 +13574,7 @@
             <a:endParaRPr lang="pt-BR"/>
           </a:p>
         </c:txPr>
-        <c:crossAx val="220150344"/>
+        <c:crossAx val="220429696"/>
         <c:crosses val="autoZero"/>
         <c:crossBetween val="between"/>
       </c:valAx>
@@ -13624,7 +13588,6 @@
     </c:plotArea>
     <c:legend>
       <c:legendPos val="b"/>
-      <c:layout/>
       <c:overlay val="0"/>
       <c:spPr>
         <a:noFill/>
@@ -13732,7 +13695,6 @@
           </a:p>
         </c:rich>
       </c:tx>
-      <c:layout/>
       <c:overlay val="0"/>
       <c:spPr>
         <a:noFill/>
@@ -13973,11 +13935,11 @@
         </c:dLbls>
         <c:marker val="1"/>
         <c:smooth val="0"/>
-        <c:axId val="220053392"/>
-        <c:axId val="220053784"/>
+        <c:axId val="220810880"/>
+        <c:axId val="220811272"/>
       </c:lineChart>
       <c:catAx>
-        <c:axId val="220053392"/>
+        <c:axId val="220810880"/>
         <c:scaling>
           <c:orientation val="minMax"/>
         </c:scaling>
@@ -14019,7 +13981,7 @@
             <a:endParaRPr lang="pt-BR"/>
           </a:p>
         </c:txPr>
-        <c:crossAx val="220053784"/>
+        <c:crossAx val="220811272"/>
         <c:crosses val="autoZero"/>
         <c:auto val="1"/>
         <c:lblAlgn val="ctr"/>
@@ -14027,7 +13989,7 @@
         <c:noMultiLvlLbl val="0"/>
       </c:catAx>
       <c:valAx>
-        <c:axId val="220053784"/>
+        <c:axId val="220811272"/>
         <c:scaling>
           <c:orientation val="minMax"/>
         </c:scaling>
@@ -14078,7 +14040,7 @@
             <a:endParaRPr lang="pt-BR"/>
           </a:p>
         </c:txPr>
-        <c:crossAx val="220053392"/>
+        <c:crossAx val="220810880"/>
         <c:crosses val="autoZero"/>
         <c:crossBetween val="between"/>
       </c:valAx>
@@ -14092,7 +14054,6 @@
     </c:plotArea>
     <c:legend>
       <c:legendPos val="b"/>
-      <c:layout/>
       <c:overlay val="0"/>
       <c:spPr>
         <a:noFill/>
@@ -14200,7 +14161,6 @@
           </a:p>
         </c:rich>
       </c:tx>
-      <c:layout/>
       <c:overlay val="0"/>
       <c:spPr>
         <a:noFill/>
@@ -14441,11 +14401,11 @@
         </c:dLbls>
         <c:marker val="1"/>
         <c:smooth val="0"/>
-        <c:axId val="220054568"/>
-        <c:axId val="220054960"/>
+        <c:axId val="220812056"/>
+        <c:axId val="220812448"/>
       </c:lineChart>
       <c:catAx>
-        <c:axId val="220054568"/>
+        <c:axId val="220812056"/>
         <c:scaling>
           <c:orientation val="minMax"/>
         </c:scaling>
@@ -14487,7 +14447,7 @@
             <a:endParaRPr lang="pt-BR"/>
           </a:p>
         </c:txPr>
-        <c:crossAx val="220054960"/>
+        <c:crossAx val="220812448"/>
         <c:crosses val="autoZero"/>
         <c:auto val="1"/>
         <c:lblAlgn val="ctr"/>
@@ -14495,7 +14455,7 @@
         <c:noMultiLvlLbl val="0"/>
       </c:catAx>
       <c:valAx>
-        <c:axId val="220054960"/>
+        <c:axId val="220812448"/>
         <c:scaling>
           <c:orientation val="minMax"/>
         </c:scaling>
@@ -14546,7 +14506,7 @@
             <a:endParaRPr lang="pt-BR"/>
           </a:p>
         </c:txPr>
-        <c:crossAx val="220054568"/>
+        <c:crossAx val="220812056"/>
         <c:crosses val="autoZero"/>
         <c:crossBetween val="between"/>
       </c:valAx>
@@ -14560,7 +14520,6 @@
     </c:plotArea>
     <c:legend>
       <c:legendPos val="b"/>
-      <c:layout/>
       <c:overlay val="0"/>
       <c:spPr>
         <a:noFill/>
@@ -14668,7 +14627,6 @@
           </a:p>
         </c:rich>
       </c:tx>
-      <c:layout/>
       <c:overlay val="0"/>
       <c:spPr>
         <a:noFill/>
@@ -14909,11 +14867,11 @@
         </c:dLbls>
         <c:marker val="1"/>
         <c:smooth val="0"/>
-        <c:axId val="220055744"/>
-        <c:axId val="220056136"/>
+        <c:axId val="220813232"/>
+        <c:axId val="220813624"/>
       </c:lineChart>
       <c:catAx>
-        <c:axId val="220055744"/>
+        <c:axId val="220813232"/>
         <c:scaling>
           <c:orientation val="minMax"/>
         </c:scaling>
@@ -14955,7 +14913,7 @@
             <a:endParaRPr lang="pt-BR"/>
           </a:p>
         </c:txPr>
-        <c:crossAx val="220056136"/>
+        <c:crossAx val="220813624"/>
         <c:crosses val="autoZero"/>
         <c:auto val="1"/>
         <c:lblAlgn val="ctr"/>
@@ -14963,7 +14921,7 @@
         <c:noMultiLvlLbl val="0"/>
       </c:catAx>
       <c:valAx>
-        <c:axId val="220056136"/>
+        <c:axId val="220813624"/>
         <c:scaling>
           <c:orientation val="minMax"/>
         </c:scaling>
@@ -15014,7 +14972,7 @@
             <a:endParaRPr lang="pt-BR"/>
           </a:p>
         </c:txPr>
-        <c:crossAx val="220055744"/>
+        <c:crossAx val="220813232"/>
         <c:crosses val="autoZero"/>
         <c:crossBetween val="between"/>
       </c:valAx>
@@ -15028,7 +14986,6 @@
     </c:plotArea>
     <c:legend>
       <c:legendPos val="b"/>
-      <c:layout/>
       <c:overlay val="0"/>
       <c:spPr>
         <a:noFill/>
@@ -15136,7 +15093,6 @@
           </a:p>
         </c:rich>
       </c:tx>
-      <c:layout/>
       <c:overlay val="0"/>
       <c:spPr>
         <a:noFill/>
@@ -15377,11 +15333,11 @@
         </c:dLbls>
         <c:marker val="1"/>
         <c:smooth val="0"/>
-        <c:axId val="220056920"/>
-        <c:axId val="220436312"/>
+        <c:axId val="220962048"/>
+        <c:axId val="220962440"/>
       </c:lineChart>
       <c:catAx>
-        <c:axId val="220056920"/>
+        <c:axId val="220962048"/>
         <c:scaling>
           <c:orientation val="minMax"/>
         </c:scaling>
@@ -15423,7 +15379,7 @@
             <a:endParaRPr lang="pt-BR"/>
           </a:p>
         </c:txPr>
-        <c:crossAx val="220436312"/>
+        <c:crossAx val="220962440"/>
         <c:crosses val="autoZero"/>
         <c:auto val="1"/>
         <c:lblAlgn val="ctr"/>
@@ -15431,7 +15387,7 @@
         <c:noMultiLvlLbl val="0"/>
       </c:catAx>
       <c:valAx>
-        <c:axId val="220436312"/>
+        <c:axId val="220962440"/>
         <c:scaling>
           <c:orientation val="minMax"/>
         </c:scaling>
@@ -15482,7 +15438,7 @@
             <a:endParaRPr lang="pt-BR"/>
           </a:p>
         </c:txPr>
-        <c:crossAx val="220056920"/>
+        <c:crossAx val="220962048"/>
         <c:crosses val="autoZero"/>
         <c:crossBetween val="between"/>
       </c:valAx>
@@ -15496,7 +15452,6 @@
     </c:plotArea>
     <c:legend>
       <c:legendPos val="b"/>
-      <c:layout/>
       <c:overlay val="0"/>
       <c:spPr>
         <a:noFill/>
@@ -15604,7 +15559,6 @@
           </a:p>
         </c:rich>
       </c:tx>
-      <c:layout/>
       <c:overlay val="0"/>
       <c:spPr>
         <a:noFill/>
@@ -15845,11 +15799,11 @@
         </c:dLbls>
         <c:marker val="1"/>
         <c:smooth val="0"/>
-        <c:axId val="220437096"/>
-        <c:axId val="220437488"/>
+        <c:axId val="220963224"/>
+        <c:axId val="220963616"/>
       </c:lineChart>
       <c:catAx>
-        <c:axId val="220437096"/>
+        <c:axId val="220963224"/>
         <c:scaling>
           <c:orientation val="minMax"/>
         </c:scaling>
@@ -15891,7 +15845,7 @@
             <a:endParaRPr lang="pt-BR"/>
           </a:p>
         </c:txPr>
-        <c:crossAx val="220437488"/>
+        <c:crossAx val="220963616"/>
         <c:crosses val="autoZero"/>
         <c:auto val="1"/>
         <c:lblAlgn val="ctr"/>
@@ -15899,7 +15853,7 @@
         <c:noMultiLvlLbl val="0"/>
       </c:catAx>
       <c:valAx>
-        <c:axId val="220437488"/>
+        <c:axId val="220963616"/>
         <c:scaling>
           <c:orientation val="minMax"/>
         </c:scaling>
@@ -15950,7 +15904,7 @@
             <a:endParaRPr lang="pt-BR"/>
           </a:p>
         </c:txPr>
-        <c:crossAx val="220437096"/>
+        <c:crossAx val="220963224"/>
         <c:crosses val="autoZero"/>
         <c:crossBetween val="between"/>
       </c:valAx>
@@ -15964,7 +15918,6 @@
     </c:plotArea>
     <c:legend>
       <c:legendPos val="b"/>
-      <c:layout/>
       <c:overlay val="0"/>
       <c:spPr>
         <a:noFill/>
@@ -16073,7 +16026,6 @@
           </a:p>
         </c:rich>
       </c:tx>
-      <c:layout/>
       <c:overlay val="0"/>
       <c:spPr>
         <a:noFill/>
@@ -16287,11 +16239,11 @@
         </c:dLbls>
         <c:marker val="1"/>
         <c:smooth val="0"/>
-        <c:axId val="185617464"/>
-        <c:axId val="185618640"/>
+        <c:axId val="171672488"/>
+        <c:axId val="171672880"/>
       </c:lineChart>
       <c:catAx>
-        <c:axId val="185617464"/>
+        <c:axId val="171672488"/>
         <c:scaling>
           <c:orientation val="minMax"/>
         </c:scaling>
@@ -16333,7 +16285,7 @@
             <a:endParaRPr lang="pt-BR"/>
           </a:p>
         </c:txPr>
-        <c:crossAx val="185618640"/>
+        <c:crossAx val="171672880"/>
         <c:crosses val="autoZero"/>
         <c:auto val="1"/>
         <c:lblAlgn val="ctr"/>
@@ -16341,7 +16293,7 @@
         <c:noMultiLvlLbl val="0"/>
       </c:catAx>
       <c:valAx>
-        <c:axId val="185618640"/>
+        <c:axId val="171672880"/>
         <c:scaling>
           <c:orientation val="minMax"/>
         </c:scaling>
@@ -16392,7 +16344,7 @@
             <a:endParaRPr lang="pt-BR"/>
           </a:p>
         </c:txPr>
-        <c:crossAx val="185617464"/>
+        <c:crossAx val="171672488"/>
         <c:crosses val="autoZero"/>
         <c:crossBetween val="between"/>
       </c:valAx>
@@ -16406,7 +16358,6 @@
     </c:plotArea>
     <c:legend>
       <c:legendPos val="b"/>
-      <c:layout/>
       <c:overlay val="0"/>
       <c:spPr>
         <a:noFill/>
@@ -16514,7 +16465,6 @@
           </a:p>
         </c:rich>
       </c:tx>
-      <c:layout/>
       <c:overlay val="0"/>
       <c:spPr>
         <a:noFill/>
@@ -16755,11 +16705,11 @@
         </c:dLbls>
         <c:marker val="1"/>
         <c:smooth val="0"/>
-        <c:axId val="220438272"/>
-        <c:axId val="220438664"/>
+        <c:axId val="220964400"/>
+        <c:axId val="220964792"/>
       </c:lineChart>
       <c:catAx>
-        <c:axId val="220438272"/>
+        <c:axId val="220964400"/>
         <c:scaling>
           <c:orientation val="minMax"/>
         </c:scaling>
@@ -16801,7 +16751,7 @@
             <a:endParaRPr lang="pt-BR"/>
           </a:p>
         </c:txPr>
-        <c:crossAx val="220438664"/>
+        <c:crossAx val="220964792"/>
         <c:crosses val="autoZero"/>
         <c:auto val="1"/>
         <c:lblAlgn val="ctr"/>
@@ -16809,7 +16759,7 @@
         <c:noMultiLvlLbl val="0"/>
       </c:catAx>
       <c:valAx>
-        <c:axId val="220438664"/>
+        <c:axId val="220964792"/>
         <c:scaling>
           <c:orientation val="minMax"/>
         </c:scaling>
@@ -16860,7 +16810,7 @@
             <a:endParaRPr lang="pt-BR"/>
           </a:p>
         </c:txPr>
-        <c:crossAx val="220438272"/>
+        <c:crossAx val="220964400"/>
         <c:crosses val="autoZero"/>
         <c:crossBetween val="between"/>
       </c:valAx>
@@ -16874,7 +16824,6 @@
     </c:plotArea>
     <c:legend>
       <c:legendPos val="b"/>
-      <c:layout/>
       <c:overlay val="0"/>
       <c:spPr>
         <a:noFill/>
@@ -16978,7 +16927,6 @@
           </a:p>
         </c:rich>
       </c:tx>
-      <c:layout/>
       <c:overlay val="0"/>
       <c:spPr>
         <a:noFill/>
@@ -17192,11 +17140,11 @@
         </c:dLbls>
         <c:marker val="1"/>
         <c:smooth val="0"/>
-        <c:axId val="188312344"/>
-        <c:axId val="188312736"/>
+        <c:axId val="171673664"/>
+        <c:axId val="171674056"/>
       </c:lineChart>
       <c:catAx>
-        <c:axId val="188312344"/>
+        <c:axId val="171673664"/>
         <c:scaling>
           <c:orientation val="minMax"/>
         </c:scaling>
@@ -17238,7 +17186,7 @@
             <a:endParaRPr lang="pt-BR"/>
           </a:p>
         </c:txPr>
-        <c:crossAx val="188312736"/>
+        <c:crossAx val="171674056"/>
         <c:crosses val="autoZero"/>
         <c:auto val="1"/>
         <c:lblAlgn val="ctr"/>
@@ -17246,7 +17194,7 @@
         <c:noMultiLvlLbl val="0"/>
       </c:catAx>
       <c:valAx>
-        <c:axId val="188312736"/>
+        <c:axId val="171674056"/>
         <c:scaling>
           <c:orientation val="minMax"/>
         </c:scaling>
@@ -17297,7 +17245,7 @@
             <a:endParaRPr lang="pt-BR"/>
           </a:p>
         </c:txPr>
-        <c:crossAx val="188312344"/>
+        <c:crossAx val="171673664"/>
         <c:crosses val="autoZero"/>
         <c:crossBetween val="between"/>
       </c:valAx>
@@ -17311,7 +17259,6 @@
     </c:plotArea>
     <c:legend>
       <c:legendPos val="b"/>
-      <c:layout/>
       <c:overlay val="0"/>
       <c:spPr>
         <a:noFill/>
@@ -17420,7 +17367,6 @@
           </a:p>
         </c:rich>
       </c:tx>
-      <c:layout/>
       <c:overlay val="0"/>
       <c:spPr>
         <a:noFill/>
@@ -17634,11 +17580,11 @@
         </c:dLbls>
         <c:marker val="1"/>
         <c:smooth val="0"/>
-        <c:axId val="188313520"/>
-        <c:axId val="188313912"/>
+        <c:axId val="171674840"/>
+        <c:axId val="171856760"/>
       </c:lineChart>
       <c:catAx>
-        <c:axId val="188313520"/>
+        <c:axId val="171674840"/>
         <c:scaling>
           <c:orientation val="minMax"/>
         </c:scaling>
@@ -17680,7 +17626,7 @@
             <a:endParaRPr lang="pt-BR"/>
           </a:p>
         </c:txPr>
-        <c:crossAx val="188313912"/>
+        <c:crossAx val="171856760"/>
         <c:crosses val="autoZero"/>
         <c:auto val="1"/>
         <c:lblAlgn val="ctr"/>
@@ -17688,7 +17634,7 @@
         <c:noMultiLvlLbl val="0"/>
       </c:catAx>
       <c:valAx>
-        <c:axId val="188313912"/>
+        <c:axId val="171856760"/>
         <c:scaling>
           <c:orientation val="minMax"/>
         </c:scaling>
@@ -17739,7 +17685,7 @@
             <a:endParaRPr lang="pt-BR"/>
           </a:p>
         </c:txPr>
-        <c:crossAx val="188313520"/>
+        <c:crossAx val="171674840"/>
         <c:crosses val="autoZero"/>
         <c:crossBetween val="between"/>
       </c:valAx>
@@ -17753,7 +17699,6 @@
     </c:plotArea>
     <c:legend>
       <c:legendPos val="b"/>
-      <c:layout/>
       <c:overlay val="0"/>
       <c:spPr>
         <a:noFill/>
@@ -17857,7 +17802,6 @@
           </a:p>
         </c:rich>
       </c:tx>
-      <c:layout/>
       <c:overlay val="0"/>
       <c:spPr>
         <a:noFill/>
@@ -18071,11 +18015,11 @@
         </c:dLbls>
         <c:marker val="1"/>
         <c:smooth val="0"/>
-        <c:axId val="188314696"/>
-        <c:axId val="188315088"/>
+        <c:axId val="171857544"/>
+        <c:axId val="171857936"/>
       </c:lineChart>
       <c:catAx>
-        <c:axId val="188314696"/>
+        <c:axId val="171857544"/>
         <c:scaling>
           <c:orientation val="minMax"/>
         </c:scaling>
@@ -18117,7 +18061,7 @@
             <a:endParaRPr lang="pt-BR"/>
           </a:p>
         </c:txPr>
-        <c:crossAx val="188315088"/>
+        <c:crossAx val="171857936"/>
         <c:crosses val="autoZero"/>
         <c:auto val="1"/>
         <c:lblAlgn val="ctr"/>
@@ -18125,7 +18069,7 @@
         <c:noMultiLvlLbl val="0"/>
       </c:catAx>
       <c:valAx>
-        <c:axId val="188315088"/>
+        <c:axId val="171857936"/>
         <c:scaling>
           <c:orientation val="minMax"/>
         </c:scaling>
@@ -18176,7 +18120,7 @@
             <a:endParaRPr lang="pt-BR"/>
           </a:p>
         </c:txPr>
-        <c:crossAx val="188314696"/>
+        <c:crossAx val="171857544"/>
         <c:crosses val="autoZero"/>
         <c:crossBetween val="between"/>
       </c:valAx>
@@ -18190,7 +18134,6 @@
     </c:plotArea>
     <c:legend>
       <c:legendPos val="b"/>
-      <c:layout/>
       <c:overlay val="0"/>
       <c:spPr>
         <a:noFill/>
@@ -18299,7 +18242,6 @@
           </a:p>
         </c:rich>
       </c:tx>
-      <c:layout/>
       <c:overlay val="0"/>
       <c:spPr>
         <a:noFill/>
@@ -18429,11 +18371,11 @@
         </c:dLbls>
         <c:marker val="1"/>
         <c:smooth val="0"/>
-        <c:axId val="188315872"/>
-        <c:axId val="189005632"/>
+        <c:axId val="172506512"/>
+        <c:axId val="172506904"/>
       </c:lineChart>
       <c:catAx>
-        <c:axId val="188315872"/>
+        <c:axId val="172506512"/>
         <c:scaling>
           <c:orientation val="minMax"/>
         </c:scaling>
@@ -18475,7 +18417,7 @@
             <a:endParaRPr lang="pt-BR"/>
           </a:p>
         </c:txPr>
-        <c:crossAx val="189005632"/>
+        <c:crossAx val="172506904"/>
         <c:crosses val="autoZero"/>
         <c:auto val="1"/>
         <c:lblAlgn val="ctr"/>
@@ -18483,7 +18425,7 @@
         <c:noMultiLvlLbl val="0"/>
       </c:catAx>
       <c:valAx>
-        <c:axId val="189005632"/>
+        <c:axId val="172506904"/>
         <c:scaling>
           <c:orientation val="minMax"/>
         </c:scaling>
@@ -18534,7 +18476,7 @@
             <a:endParaRPr lang="pt-BR"/>
           </a:p>
         </c:txPr>
-        <c:crossAx val="188315872"/>
+        <c:crossAx val="172506512"/>
         <c:crosses val="autoZero"/>
         <c:crossBetween val="between"/>
       </c:valAx>
@@ -18620,7 +18562,6 @@
           </a:p>
         </c:rich>
       </c:tx>
-      <c:layout/>
       <c:overlay val="0"/>
       <c:spPr>
         <a:noFill/>
@@ -18828,11 +18769,11 @@
         </c:dLbls>
         <c:marker val="1"/>
         <c:smooth val="0"/>
-        <c:axId val="189006416"/>
-        <c:axId val="189006808"/>
+        <c:axId val="172507688"/>
+        <c:axId val="172508080"/>
       </c:lineChart>
       <c:catAx>
-        <c:axId val="189006416"/>
+        <c:axId val="172507688"/>
         <c:scaling>
           <c:orientation val="minMax"/>
         </c:scaling>
@@ -18874,7 +18815,7 @@
             <a:endParaRPr lang="pt-BR"/>
           </a:p>
         </c:txPr>
-        <c:crossAx val="189006808"/>
+        <c:crossAx val="172508080"/>
         <c:crosses val="autoZero"/>
         <c:auto val="1"/>
         <c:lblAlgn val="ctr"/>
@@ -18882,7 +18823,7 @@
         <c:noMultiLvlLbl val="0"/>
       </c:catAx>
       <c:valAx>
-        <c:axId val="189006808"/>
+        <c:axId val="172508080"/>
         <c:scaling>
           <c:orientation val="minMax"/>
         </c:scaling>
@@ -18933,7 +18874,7 @@
             <a:endParaRPr lang="pt-BR"/>
           </a:p>
         </c:txPr>
-        <c:crossAx val="189006416"/>
+        <c:crossAx val="172507688"/>
         <c:crosses val="autoZero"/>
         <c:crossBetween val="between"/>
       </c:valAx>
@@ -18947,7 +18888,6 @@
     </c:plotArea>
     <c:legend>
       <c:legendPos val="b"/>
-      <c:layout/>
       <c:overlay val="0"/>
       <c:spPr>
         <a:noFill/>
@@ -44407,7 +44347,7 @@
           <p:cNvPr id="2" name="Title 1">
             <a:extLst>
               <a:ext uri="{FF2B5EF4-FFF2-40B4-BE49-F238E27FC236}">
-                <a16:creationId xmlns:a16="http://schemas.microsoft.com/office/drawing/2014/main" xmlns="" id="{FB05D3FE-1ACD-48E1-B282-9C2912CE85F7}"/>
+                <a16:creationId xmlns="" xmlns:a16="http://schemas.microsoft.com/office/drawing/2014/main" id="{FB05D3FE-1ACD-48E1-B282-9C2912CE85F7}"/>
               </a:ext>
             </a:extLst>
           </p:cNvPr>
@@ -44444,7 +44384,7 @@
           <p:cNvPr id="3" name="Subtitle 2">
             <a:extLst>
               <a:ext uri="{FF2B5EF4-FFF2-40B4-BE49-F238E27FC236}">
-                <a16:creationId xmlns:a16="http://schemas.microsoft.com/office/drawing/2014/main" xmlns="" id="{44281393-28D1-4E4C-AA35-7C62A547E60B}"/>
+                <a16:creationId xmlns="" xmlns:a16="http://schemas.microsoft.com/office/drawing/2014/main" id="{44281393-28D1-4E4C-AA35-7C62A547E60B}"/>
               </a:ext>
             </a:extLst>
           </p:cNvPr>
@@ -44514,7 +44454,7 @@
           <p:cNvPr id="4" name="Date Placeholder 3">
             <a:extLst>
               <a:ext uri="{FF2B5EF4-FFF2-40B4-BE49-F238E27FC236}">
-                <a16:creationId xmlns:a16="http://schemas.microsoft.com/office/drawing/2014/main" xmlns="" id="{7EF93883-7811-491A-B59E-434D8E4824DD}"/>
+                <a16:creationId xmlns="" xmlns:a16="http://schemas.microsoft.com/office/drawing/2014/main" id="{7EF93883-7811-491A-B59E-434D8E4824DD}"/>
               </a:ext>
             </a:extLst>
           </p:cNvPr>
@@ -44532,7 +44472,7 @@
           <a:p>
             <a:fld id="{97465F73-2909-4024-B8BE-57C88E96E4E7}" type="datetimeFigureOut">
               <a:rPr lang="en-US" smtClean="0"/>
-              <a:t>6/15/2018</a:t>
+              <a:t>6/20/2018</a:t>
             </a:fld>
             <a:endParaRPr lang="en-US"/>
           </a:p>
@@ -44543,7 +44483,7 @@
           <p:cNvPr id="5" name="Footer Placeholder 4">
             <a:extLst>
               <a:ext uri="{FF2B5EF4-FFF2-40B4-BE49-F238E27FC236}">
-                <a16:creationId xmlns:a16="http://schemas.microsoft.com/office/drawing/2014/main" xmlns="" id="{9B14E5B7-06CB-4D39-8FDC-5BEB5209601C}"/>
+                <a16:creationId xmlns="" xmlns:a16="http://schemas.microsoft.com/office/drawing/2014/main" id="{9B14E5B7-06CB-4D39-8FDC-5BEB5209601C}"/>
               </a:ext>
             </a:extLst>
           </p:cNvPr>
@@ -44568,7 +44508,7 @@
           <p:cNvPr id="6" name="Slide Number Placeholder 5">
             <a:extLst>
               <a:ext uri="{FF2B5EF4-FFF2-40B4-BE49-F238E27FC236}">
-                <a16:creationId xmlns:a16="http://schemas.microsoft.com/office/drawing/2014/main" xmlns="" id="{5944F772-C697-4045-83E9-348A643B270F}"/>
+                <a16:creationId xmlns="" xmlns:a16="http://schemas.microsoft.com/office/drawing/2014/main" id="{5944F772-C697-4045-83E9-348A643B270F}"/>
               </a:ext>
             </a:extLst>
           </p:cNvPr>
@@ -44627,7 +44567,7 @@
           <p:cNvPr id="2" name="Title 1">
             <a:extLst>
               <a:ext uri="{FF2B5EF4-FFF2-40B4-BE49-F238E27FC236}">
-                <a16:creationId xmlns:a16="http://schemas.microsoft.com/office/drawing/2014/main" xmlns="" id="{D12E5B5E-21A8-45B8-8B16-539AEA44E9EE}"/>
+                <a16:creationId xmlns="" xmlns:a16="http://schemas.microsoft.com/office/drawing/2014/main" id="{D12E5B5E-21A8-45B8-8B16-539AEA44E9EE}"/>
               </a:ext>
             </a:extLst>
           </p:cNvPr>
@@ -44655,7 +44595,7 @@
           <p:cNvPr id="3" name="Vertical Text Placeholder 2">
             <a:extLst>
               <a:ext uri="{FF2B5EF4-FFF2-40B4-BE49-F238E27FC236}">
-                <a16:creationId xmlns:a16="http://schemas.microsoft.com/office/drawing/2014/main" xmlns="" id="{A9EEC0C8-F151-4F64-A812-C2AE8C2E1423}"/>
+                <a16:creationId xmlns="" xmlns:a16="http://schemas.microsoft.com/office/drawing/2014/main" id="{A9EEC0C8-F151-4F64-A812-C2AE8C2E1423}"/>
               </a:ext>
             </a:extLst>
           </p:cNvPr>
@@ -44712,7 +44652,7 @@
           <p:cNvPr id="4" name="Date Placeholder 3">
             <a:extLst>
               <a:ext uri="{FF2B5EF4-FFF2-40B4-BE49-F238E27FC236}">
-                <a16:creationId xmlns:a16="http://schemas.microsoft.com/office/drawing/2014/main" xmlns="" id="{C29A4D35-6DF0-45A8-BF1A-6DAD984AED23}"/>
+                <a16:creationId xmlns="" xmlns:a16="http://schemas.microsoft.com/office/drawing/2014/main" id="{C29A4D35-6DF0-45A8-BF1A-6DAD984AED23}"/>
               </a:ext>
             </a:extLst>
           </p:cNvPr>
@@ -44730,7 +44670,7 @@
           <a:p>
             <a:fld id="{97465F73-2909-4024-B8BE-57C88E96E4E7}" type="datetimeFigureOut">
               <a:rPr lang="en-US" smtClean="0"/>
-              <a:t>6/15/2018</a:t>
+              <a:t>6/20/2018</a:t>
             </a:fld>
             <a:endParaRPr lang="en-US"/>
           </a:p>
@@ -44741,7 +44681,7 @@
           <p:cNvPr id="5" name="Footer Placeholder 4">
             <a:extLst>
               <a:ext uri="{FF2B5EF4-FFF2-40B4-BE49-F238E27FC236}">
-                <a16:creationId xmlns:a16="http://schemas.microsoft.com/office/drawing/2014/main" xmlns="" id="{9130374C-A339-4E67-9FBC-22CC4D7AB381}"/>
+                <a16:creationId xmlns="" xmlns:a16="http://schemas.microsoft.com/office/drawing/2014/main" id="{9130374C-A339-4E67-9FBC-22CC4D7AB381}"/>
               </a:ext>
             </a:extLst>
           </p:cNvPr>
@@ -44766,7 +44706,7 @@
           <p:cNvPr id="6" name="Slide Number Placeholder 5">
             <a:extLst>
               <a:ext uri="{FF2B5EF4-FFF2-40B4-BE49-F238E27FC236}">
-                <a16:creationId xmlns:a16="http://schemas.microsoft.com/office/drawing/2014/main" xmlns="" id="{099917E9-EEAE-44CA-8EED-A35F059C2D06}"/>
+                <a16:creationId xmlns="" xmlns:a16="http://schemas.microsoft.com/office/drawing/2014/main" id="{099917E9-EEAE-44CA-8EED-A35F059C2D06}"/>
               </a:ext>
             </a:extLst>
           </p:cNvPr>
@@ -44825,7 +44765,7 @@
           <p:cNvPr id="2" name="Vertical Title 1">
             <a:extLst>
               <a:ext uri="{FF2B5EF4-FFF2-40B4-BE49-F238E27FC236}">
-                <a16:creationId xmlns:a16="http://schemas.microsoft.com/office/drawing/2014/main" xmlns="" id="{131F5881-4567-44FC-8672-5DD93C8C2F35}"/>
+                <a16:creationId xmlns="" xmlns:a16="http://schemas.microsoft.com/office/drawing/2014/main" id="{131F5881-4567-44FC-8672-5DD93C8C2F35}"/>
               </a:ext>
             </a:extLst>
           </p:cNvPr>
@@ -44858,7 +44798,7 @@
           <p:cNvPr id="3" name="Vertical Text Placeholder 2">
             <a:extLst>
               <a:ext uri="{FF2B5EF4-FFF2-40B4-BE49-F238E27FC236}">
-                <a16:creationId xmlns:a16="http://schemas.microsoft.com/office/drawing/2014/main" xmlns="" id="{99369A66-1CFC-4FC8-A070-0EAB5CE66956}"/>
+                <a16:creationId xmlns="" xmlns:a16="http://schemas.microsoft.com/office/drawing/2014/main" id="{99369A66-1CFC-4FC8-A070-0EAB5CE66956}"/>
               </a:ext>
             </a:extLst>
           </p:cNvPr>
@@ -44920,7 +44860,7 @@
           <p:cNvPr id="4" name="Date Placeholder 3">
             <a:extLst>
               <a:ext uri="{FF2B5EF4-FFF2-40B4-BE49-F238E27FC236}">
-                <a16:creationId xmlns:a16="http://schemas.microsoft.com/office/drawing/2014/main" xmlns="" id="{C9440F5E-6989-4CE5-B71E-646C69C26BB4}"/>
+                <a16:creationId xmlns="" xmlns:a16="http://schemas.microsoft.com/office/drawing/2014/main" id="{C9440F5E-6989-4CE5-B71E-646C69C26BB4}"/>
               </a:ext>
             </a:extLst>
           </p:cNvPr>
@@ -44938,7 +44878,7 @@
           <a:p>
             <a:fld id="{97465F73-2909-4024-B8BE-57C88E96E4E7}" type="datetimeFigureOut">
               <a:rPr lang="en-US" smtClean="0"/>
-              <a:t>6/15/2018</a:t>
+              <a:t>6/20/2018</a:t>
             </a:fld>
             <a:endParaRPr lang="en-US"/>
           </a:p>
@@ -44949,7 +44889,7 @@
           <p:cNvPr id="5" name="Footer Placeholder 4">
             <a:extLst>
               <a:ext uri="{FF2B5EF4-FFF2-40B4-BE49-F238E27FC236}">
-                <a16:creationId xmlns:a16="http://schemas.microsoft.com/office/drawing/2014/main" xmlns="" id="{0CA9DF33-492B-4F91-AFFC-04FDE92DD8BB}"/>
+                <a16:creationId xmlns="" xmlns:a16="http://schemas.microsoft.com/office/drawing/2014/main" id="{0CA9DF33-492B-4F91-AFFC-04FDE92DD8BB}"/>
               </a:ext>
             </a:extLst>
           </p:cNvPr>
@@ -44974,7 +44914,7 @@
           <p:cNvPr id="6" name="Slide Number Placeholder 5">
             <a:extLst>
               <a:ext uri="{FF2B5EF4-FFF2-40B4-BE49-F238E27FC236}">
-                <a16:creationId xmlns:a16="http://schemas.microsoft.com/office/drawing/2014/main" xmlns="" id="{66207469-EBF0-4399-83EA-A2FD4D54720A}"/>
+                <a16:creationId xmlns="" xmlns:a16="http://schemas.microsoft.com/office/drawing/2014/main" id="{66207469-EBF0-4399-83EA-A2FD4D54720A}"/>
               </a:ext>
             </a:extLst>
           </p:cNvPr>
@@ -45033,7 +44973,7 @@
           <p:cNvPr id="2" name="Title 1">
             <a:extLst>
               <a:ext uri="{FF2B5EF4-FFF2-40B4-BE49-F238E27FC236}">
-                <a16:creationId xmlns:a16="http://schemas.microsoft.com/office/drawing/2014/main" xmlns="" id="{F90FFC45-8EA7-4C02-9ED9-64B43B41F851}"/>
+                <a16:creationId xmlns="" xmlns:a16="http://schemas.microsoft.com/office/drawing/2014/main" id="{F90FFC45-8EA7-4C02-9ED9-64B43B41F851}"/>
               </a:ext>
             </a:extLst>
           </p:cNvPr>
@@ -45061,7 +45001,7 @@
           <p:cNvPr id="3" name="Content Placeholder 2">
             <a:extLst>
               <a:ext uri="{FF2B5EF4-FFF2-40B4-BE49-F238E27FC236}">
-                <a16:creationId xmlns:a16="http://schemas.microsoft.com/office/drawing/2014/main" xmlns="" id="{BB87E102-00E4-4FDB-8B01-B31D737EE183}"/>
+                <a16:creationId xmlns="" xmlns:a16="http://schemas.microsoft.com/office/drawing/2014/main" id="{BB87E102-00E4-4FDB-8B01-B31D737EE183}"/>
               </a:ext>
             </a:extLst>
           </p:cNvPr>
@@ -45118,7 +45058,7 @@
           <p:cNvPr id="4" name="Date Placeholder 3">
             <a:extLst>
               <a:ext uri="{FF2B5EF4-FFF2-40B4-BE49-F238E27FC236}">
-                <a16:creationId xmlns:a16="http://schemas.microsoft.com/office/drawing/2014/main" xmlns="" id="{53073558-D530-4036-8ED8-473FB5D9D78C}"/>
+                <a16:creationId xmlns="" xmlns:a16="http://schemas.microsoft.com/office/drawing/2014/main" id="{53073558-D530-4036-8ED8-473FB5D9D78C}"/>
               </a:ext>
             </a:extLst>
           </p:cNvPr>
@@ -45136,7 +45076,7 @@
           <a:p>
             <a:fld id="{97465F73-2909-4024-B8BE-57C88E96E4E7}" type="datetimeFigureOut">
               <a:rPr lang="en-US" smtClean="0"/>
-              <a:t>6/15/2018</a:t>
+              <a:t>6/20/2018</a:t>
             </a:fld>
             <a:endParaRPr lang="en-US"/>
           </a:p>
@@ -45147,7 +45087,7 @@
           <p:cNvPr id="5" name="Footer Placeholder 4">
             <a:extLst>
               <a:ext uri="{FF2B5EF4-FFF2-40B4-BE49-F238E27FC236}">
-                <a16:creationId xmlns:a16="http://schemas.microsoft.com/office/drawing/2014/main" xmlns="" id="{98247FF0-8D48-45C7-8A33-602433415DA9}"/>
+                <a16:creationId xmlns="" xmlns:a16="http://schemas.microsoft.com/office/drawing/2014/main" id="{98247FF0-8D48-45C7-8A33-602433415DA9}"/>
               </a:ext>
             </a:extLst>
           </p:cNvPr>
@@ -45172,7 +45112,7 @@
           <p:cNvPr id="6" name="Slide Number Placeholder 5">
             <a:extLst>
               <a:ext uri="{FF2B5EF4-FFF2-40B4-BE49-F238E27FC236}">
-                <a16:creationId xmlns:a16="http://schemas.microsoft.com/office/drawing/2014/main" xmlns="" id="{E7A2ADCD-18DA-4FBA-8CE0-619F01165CE2}"/>
+                <a16:creationId xmlns="" xmlns:a16="http://schemas.microsoft.com/office/drawing/2014/main" id="{E7A2ADCD-18DA-4FBA-8CE0-619F01165CE2}"/>
               </a:ext>
             </a:extLst>
           </p:cNvPr>
@@ -45231,7 +45171,7 @@
           <p:cNvPr id="2" name="Title 1">
             <a:extLst>
               <a:ext uri="{FF2B5EF4-FFF2-40B4-BE49-F238E27FC236}">
-                <a16:creationId xmlns:a16="http://schemas.microsoft.com/office/drawing/2014/main" xmlns="" id="{E4959021-5EC1-4EF9-B5A1-6E7500276168}"/>
+                <a16:creationId xmlns="" xmlns:a16="http://schemas.microsoft.com/office/drawing/2014/main" id="{E4959021-5EC1-4EF9-B5A1-6E7500276168}"/>
               </a:ext>
             </a:extLst>
           </p:cNvPr>
@@ -45268,7 +45208,7 @@
           <p:cNvPr id="3" name="Text Placeholder 2">
             <a:extLst>
               <a:ext uri="{FF2B5EF4-FFF2-40B4-BE49-F238E27FC236}">
-                <a16:creationId xmlns:a16="http://schemas.microsoft.com/office/drawing/2014/main" xmlns="" id="{4AABD43C-597D-4F7C-86DA-0479B574B010}"/>
+                <a16:creationId xmlns="" xmlns:a16="http://schemas.microsoft.com/office/drawing/2014/main" id="{4AABD43C-597D-4F7C-86DA-0479B574B010}"/>
               </a:ext>
             </a:extLst>
           </p:cNvPr>
@@ -45393,7 +45333,7 @@
           <p:cNvPr id="4" name="Date Placeholder 3">
             <a:extLst>
               <a:ext uri="{FF2B5EF4-FFF2-40B4-BE49-F238E27FC236}">
-                <a16:creationId xmlns:a16="http://schemas.microsoft.com/office/drawing/2014/main" xmlns="" id="{2C68CAC7-EDB0-4364-9A6A-96F930597169}"/>
+                <a16:creationId xmlns="" xmlns:a16="http://schemas.microsoft.com/office/drawing/2014/main" id="{2C68CAC7-EDB0-4364-9A6A-96F930597169}"/>
               </a:ext>
             </a:extLst>
           </p:cNvPr>
@@ -45411,7 +45351,7 @@
           <a:p>
             <a:fld id="{97465F73-2909-4024-B8BE-57C88E96E4E7}" type="datetimeFigureOut">
               <a:rPr lang="en-US" smtClean="0"/>
-              <a:t>6/15/2018</a:t>
+              <a:t>6/20/2018</a:t>
             </a:fld>
             <a:endParaRPr lang="en-US"/>
           </a:p>
@@ -45422,7 +45362,7 @@
           <p:cNvPr id="5" name="Footer Placeholder 4">
             <a:extLst>
               <a:ext uri="{FF2B5EF4-FFF2-40B4-BE49-F238E27FC236}">
-                <a16:creationId xmlns:a16="http://schemas.microsoft.com/office/drawing/2014/main" xmlns="" id="{06B4A2D4-D453-4EEB-86FB-B147930A4BAB}"/>
+                <a16:creationId xmlns="" xmlns:a16="http://schemas.microsoft.com/office/drawing/2014/main" id="{06B4A2D4-D453-4EEB-86FB-B147930A4BAB}"/>
               </a:ext>
             </a:extLst>
           </p:cNvPr>
@@ -45447,7 +45387,7 @@
           <p:cNvPr id="6" name="Slide Number Placeholder 5">
             <a:extLst>
               <a:ext uri="{FF2B5EF4-FFF2-40B4-BE49-F238E27FC236}">
-                <a16:creationId xmlns:a16="http://schemas.microsoft.com/office/drawing/2014/main" xmlns="" id="{8444E82D-1A09-401B-BF91-DE8034495B5A}"/>
+                <a16:creationId xmlns="" xmlns:a16="http://schemas.microsoft.com/office/drawing/2014/main" id="{8444E82D-1A09-401B-BF91-DE8034495B5A}"/>
               </a:ext>
             </a:extLst>
           </p:cNvPr>
@@ -45506,7 +45446,7 @@
           <p:cNvPr id="2" name="Title 1">
             <a:extLst>
               <a:ext uri="{FF2B5EF4-FFF2-40B4-BE49-F238E27FC236}">
-                <a16:creationId xmlns:a16="http://schemas.microsoft.com/office/drawing/2014/main" xmlns="" id="{D780EC47-AFA8-4840-A26E-91CCB97BFDCD}"/>
+                <a16:creationId xmlns="" xmlns:a16="http://schemas.microsoft.com/office/drawing/2014/main" id="{D780EC47-AFA8-4840-A26E-91CCB97BFDCD}"/>
               </a:ext>
             </a:extLst>
           </p:cNvPr>
@@ -45534,7 +45474,7 @@
           <p:cNvPr id="3" name="Content Placeholder 2">
             <a:extLst>
               <a:ext uri="{FF2B5EF4-FFF2-40B4-BE49-F238E27FC236}">
-                <a16:creationId xmlns:a16="http://schemas.microsoft.com/office/drawing/2014/main" xmlns="" id="{22554A2C-DA3A-4B62-B55D-A975AC66009E}"/>
+                <a16:creationId xmlns="" xmlns:a16="http://schemas.microsoft.com/office/drawing/2014/main" id="{22554A2C-DA3A-4B62-B55D-A975AC66009E}"/>
               </a:ext>
             </a:extLst>
           </p:cNvPr>
@@ -45596,7 +45536,7 @@
           <p:cNvPr id="4" name="Content Placeholder 3">
             <a:extLst>
               <a:ext uri="{FF2B5EF4-FFF2-40B4-BE49-F238E27FC236}">
-                <a16:creationId xmlns:a16="http://schemas.microsoft.com/office/drawing/2014/main" xmlns="" id="{B01ADE02-973E-4BF4-910E-7A193C0DBB8E}"/>
+                <a16:creationId xmlns="" xmlns:a16="http://schemas.microsoft.com/office/drawing/2014/main" id="{B01ADE02-973E-4BF4-910E-7A193C0DBB8E}"/>
               </a:ext>
             </a:extLst>
           </p:cNvPr>
@@ -45658,7 +45598,7 @@
           <p:cNvPr id="5" name="Date Placeholder 4">
             <a:extLst>
               <a:ext uri="{FF2B5EF4-FFF2-40B4-BE49-F238E27FC236}">
-                <a16:creationId xmlns:a16="http://schemas.microsoft.com/office/drawing/2014/main" xmlns="" id="{EBC0CB05-57FF-4269-94D0-1FB6CE5138A6}"/>
+                <a16:creationId xmlns="" xmlns:a16="http://schemas.microsoft.com/office/drawing/2014/main" id="{EBC0CB05-57FF-4269-94D0-1FB6CE5138A6}"/>
               </a:ext>
             </a:extLst>
           </p:cNvPr>
@@ -45676,7 +45616,7 @@
           <a:p>
             <a:fld id="{97465F73-2909-4024-B8BE-57C88E96E4E7}" type="datetimeFigureOut">
               <a:rPr lang="en-US" smtClean="0"/>
-              <a:t>6/15/2018</a:t>
+              <a:t>6/20/2018</a:t>
             </a:fld>
             <a:endParaRPr lang="en-US"/>
           </a:p>
@@ -45687,7 +45627,7 @@
           <p:cNvPr id="6" name="Footer Placeholder 5">
             <a:extLst>
               <a:ext uri="{FF2B5EF4-FFF2-40B4-BE49-F238E27FC236}">
-                <a16:creationId xmlns:a16="http://schemas.microsoft.com/office/drawing/2014/main" xmlns="" id="{C1E1F591-E906-4D73-ADD6-9B2E5CC239A8}"/>
+                <a16:creationId xmlns="" xmlns:a16="http://schemas.microsoft.com/office/drawing/2014/main" id="{C1E1F591-E906-4D73-ADD6-9B2E5CC239A8}"/>
               </a:ext>
             </a:extLst>
           </p:cNvPr>
@@ -45712,7 +45652,7 @@
           <p:cNvPr id="7" name="Slide Number Placeholder 6">
             <a:extLst>
               <a:ext uri="{FF2B5EF4-FFF2-40B4-BE49-F238E27FC236}">
-                <a16:creationId xmlns:a16="http://schemas.microsoft.com/office/drawing/2014/main" xmlns="" id="{F21DC936-DE2D-4A1F-9B5A-DF4A45E160D6}"/>
+                <a16:creationId xmlns="" xmlns:a16="http://schemas.microsoft.com/office/drawing/2014/main" id="{F21DC936-DE2D-4A1F-9B5A-DF4A45E160D6}"/>
               </a:ext>
             </a:extLst>
           </p:cNvPr>
@@ -45771,7 +45711,7 @@
           <p:cNvPr id="2" name="Title 1">
             <a:extLst>
               <a:ext uri="{FF2B5EF4-FFF2-40B4-BE49-F238E27FC236}">
-                <a16:creationId xmlns:a16="http://schemas.microsoft.com/office/drawing/2014/main" xmlns="" id="{A268175D-804F-4EE4-8F14-621D30206C72}"/>
+                <a16:creationId xmlns="" xmlns:a16="http://schemas.microsoft.com/office/drawing/2014/main" id="{A268175D-804F-4EE4-8F14-621D30206C72}"/>
               </a:ext>
             </a:extLst>
           </p:cNvPr>
@@ -45804,7 +45744,7 @@
           <p:cNvPr id="3" name="Text Placeholder 2">
             <a:extLst>
               <a:ext uri="{FF2B5EF4-FFF2-40B4-BE49-F238E27FC236}">
-                <a16:creationId xmlns:a16="http://schemas.microsoft.com/office/drawing/2014/main" xmlns="" id="{6E367289-F88F-4E71-A691-9EA328EF84AF}"/>
+                <a16:creationId xmlns="" xmlns:a16="http://schemas.microsoft.com/office/drawing/2014/main" id="{6E367289-F88F-4E71-A691-9EA328EF84AF}"/>
               </a:ext>
             </a:extLst>
           </p:cNvPr>
@@ -45875,7 +45815,7 @@
           <p:cNvPr id="4" name="Content Placeholder 3">
             <a:extLst>
               <a:ext uri="{FF2B5EF4-FFF2-40B4-BE49-F238E27FC236}">
-                <a16:creationId xmlns:a16="http://schemas.microsoft.com/office/drawing/2014/main" xmlns="" id="{AAEE2508-523E-42FD-8D00-47F182D0CBFC}"/>
+                <a16:creationId xmlns="" xmlns:a16="http://schemas.microsoft.com/office/drawing/2014/main" id="{AAEE2508-523E-42FD-8D00-47F182D0CBFC}"/>
               </a:ext>
             </a:extLst>
           </p:cNvPr>
@@ -45937,7 +45877,7 @@
           <p:cNvPr id="5" name="Text Placeholder 4">
             <a:extLst>
               <a:ext uri="{FF2B5EF4-FFF2-40B4-BE49-F238E27FC236}">
-                <a16:creationId xmlns:a16="http://schemas.microsoft.com/office/drawing/2014/main" xmlns="" id="{B4A865B3-5EDD-4DE3-83B7-500104B1CF61}"/>
+                <a16:creationId xmlns="" xmlns:a16="http://schemas.microsoft.com/office/drawing/2014/main" id="{B4A865B3-5EDD-4DE3-83B7-500104B1CF61}"/>
               </a:ext>
             </a:extLst>
           </p:cNvPr>
@@ -46008,7 +45948,7 @@
           <p:cNvPr id="6" name="Content Placeholder 5">
             <a:extLst>
               <a:ext uri="{FF2B5EF4-FFF2-40B4-BE49-F238E27FC236}">
-                <a16:creationId xmlns:a16="http://schemas.microsoft.com/office/drawing/2014/main" xmlns="" id="{3E717690-C5AD-43B3-8041-6F4EC60E1625}"/>
+                <a16:creationId xmlns="" xmlns:a16="http://schemas.microsoft.com/office/drawing/2014/main" id="{3E717690-C5AD-43B3-8041-6F4EC60E1625}"/>
               </a:ext>
             </a:extLst>
           </p:cNvPr>
@@ -46070,7 +46010,7 @@
           <p:cNvPr id="7" name="Date Placeholder 6">
             <a:extLst>
               <a:ext uri="{FF2B5EF4-FFF2-40B4-BE49-F238E27FC236}">
-                <a16:creationId xmlns:a16="http://schemas.microsoft.com/office/drawing/2014/main" xmlns="" id="{31514EFD-1109-4CF2-9638-C54EC290A708}"/>
+                <a16:creationId xmlns="" xmlns:a16="http://schemas.microsoft.com/office/drawing/2014/main" id="{31514EFD-1109-4CF2-9638-C54EC290A708}"/>
               </a:ext>
             </a:extLst>
           </p:cNvPr>
@@ -46088,7 +46028,7 @@
           <a:p>
             <a:fld id="{97465F73-2909-4024-B8BE-57C88E96E4E7}" type="datetimeFigureOut">
               <a:rPr lang="en-US" smtClean="0"/>
-              <a:t>6/15/2018</a:t>
+              <a:t>6/20/2018</a:t>
             </a:fld>
             <a:endParaRPr lang="en-US"/>
           </a:p>
@@ -46099,7 +46039,7 @@
           <p:cNvPr id="8" name="Footer Placeholder 7">
             <a:extLst>
               <a:ext uri="{FF2B5EF4-FFF2-40B4-BE49-F238E27FC236}">
-                <a16:creationId xmlns:a16="http://schemas.microsoft.com/office/drawing/2014/main" xmlns="" id="{503768EE-A72E-4D17-952E-F460B3B469E2}"/>
+                <a16:creationId xmlns="" xmlns:a16="http://schemas.microsoft.com/office/drawing/2014/main" id="{503768EE-A72E-4D17-952E-F460B3B469E2}"/>
               </a:ext>
             </a:extLst>
           </p:cNvPr>
@@ -46124,7 +46064,7 @@
           <p:cNvPr id="9" name="Slide Number Placeholder 8">
             <a:extLst>
               <a:ext uri="{FF2B5EF4-FFF2-40B4-BE49-F238E27FC236}">
-                <a16:creationId xmlns:a16="http://schemas.microsoft.com/office/drawing/2014/main" xmlns="" id="{4EDE2CE7-80F2-4882-BDC7-8D52CFF0B74B}"/>
+                <a16:creationId xmlns="" xmlns:a16="http://schemas.microsoft.com/office/drawing/2014/main" id="{4EDE2CE7-80F2-4882-BDC7-8D52CFF0B74B}"/>
               </a:ext>
             </a:extLst>
           </p:cNvPr>
@@ -46183,7 +46123,7 @@
           <p:cNvPr id="2" name="Title 1">
             <a:extLst>
               <a:ext uri="{FF2B5EF4-FFF2-40B4-BE49-F238E27FC236}">
-                <a16:creationId xmlns:a16="http://schemas.microsoft.com/office/drawing/2014/main" xmlns="" id="{B975854F-8BC2-47F0-A45A-D2175AFFE841}"/>
+                <a16:creationId xmlns="" xmlns:a16="http://schemas.microsoft.com/office/drawing/2014/main" id="{B975854F-8BC2-47F0-A45A-D2175AFFE841}"/>
               </a:ext>
             </a:extLst>
           </p:cNvPr>
@@ -46211,7 +46151,7 @@
           <p:cNvPr id="3" name="Date Placeholder 2">
             <a:extLst>
               <a:ext uri="{FF2B5EF4-FFF2-40B4-BE49-F238E27FC236}">
-                <a16:creationId xmlns:a16="http://schemas.microsoft.com/office/drawing/2014/main" xmlns="" id="{87FDBA84-620A-4BBB-886D-4FA11F1648B3}"/>
+                <a16:creationId xmlns="" xmlns:a16="http://schemas.microsoft.com/office/drawing/2014/main" id="{87FDBA84-620A-4BBB-886D-4FA11F1648B3}"/>
               </a:ext>
             </a:extLst>
           </p:cNvPr>
@@ -46229,7 +46169,7 @@
           <a:p>
             <a:fld id="{97465F73-2909-4024-B8BE-57C88E96E4E7}" type="datetimeFigureOut">
               <a:rPr lang="en-US" smtClean="0"/>
-              <a:t>6/15/2018</a:t>
+              <a:t>6/20/2018</a:t>
             </a:fld>
             <a:endParaRPr lang="en-US"/>
           </a:p>
@@ -46240,7 +46180,7 @@
           <p:cNvPr id="4" name="Footer Placeholder 3">
             <a:extLst>
               <a:ext uri="{FF2B5EF4-FFF2-40B4-BE49-F238E27FC236}">
-                <a16:creationId xmlns:a16="http://schemas.microsoft.com/office/drawing/2014/main" xmlns="" id="{18CEE3FB-DD50-4EDE-B03E-18EC49E181E5}"/>
+                <a16:creationId xmlns="" xmlns:a16="http://schemas.microsoft.com/office/drawing/2014/main" id="{18CEE3FB-DD50-4EDE-B03E-18EC49E181E5}"/>
               </a:ext>
             </a:extLst>
           </p:cNvPr>
@@ -46265,7 +46205,7 @@
           <p:cNvPr id="5" name="Slide Number Placeholder 4">
             <a:extLst>
               <a:ext uri="{FF2B5EF4-FFF2-40B4-BE49-F238E27FC236}">
-                <a16:creationId xmlns:a16="http://schemas.microsoft.com/office/drawing/2014/main" xmlns="" id="{38F5FB1A-9933-44DE-9352-95A2BAE189A1}"/>
+                <a16:creationId xmlns="" xmlns:a16="http://schemas.microsoft.com/office/drawing/2014/main" id="{38F5FB1A-9933-44DE-9352-95A2BAE189A1}"/>
               </a:ext>
             </a:extLst>
           </p:cNvPr>
@@ -46324,7 +46264,7 @@
           <p:cNvPr id="2" name="Date Placeholder 1">
             <a:extLst>
               <a:ext uri="{FF2B5EF4-FFF2-40B4-BE49-F238E27FC236}">
-                <a16:creationId xmlns:a16="http://schemas.microsoft.com/office/drawing/2014/main" xmlns="" id="{E63227F6-7CEA-4559-834A-8456D6935CC5}"/>
+                <a16:creationId xmlns="" xmlns:a16="http://schemas.microsoft.com/office/drawing/2014/main" id="{E63227F6-7CEA-4559-834A-8456D6935CC5}"/>
               </a:ext>
             </a:extLst>
           </p:cNvPr>
@@ -46342,7 +46282,7 @@
           <a:p>
             <a:fld id="{97465F73-2909-4024-B8BE-57C88E96E4E7}" type="datetimeFigureOut">
               <a:rPr lang="en-US" smtClean="0"/>
-              <a:t>6/15/2018</a:t>
+              <a:t>6/20/2018</a:t>
             </a:fld>
             <a:endParaRPr lang="en-US"/>
           </a:p>
@@ -46353,7 +46293,7 @@
           <p:cNvPr id="3" name="Footer Placeholder 2">
             <a:extLst>
               <a:ext uri="{FF2B5EF4-FFF2-40B4-BE49-F238E27FC236}">
-                <a16:creationId xmlns:a16="http://schemas.microsoft.com/office/drawing/2014/main" xmlns="" id="{9095AE01-1856-4564-90EF-309300472DAA}"/>
+                <a16:creationId xmlns="" xmlns:a16="http://schemas.microsoft.com/office/drawing/2014/main" id="{9095AE01-1856-4564-90EF-309300472DAA}"/>
               </a:ext>
             </a:extLst>
           </p:cNvPr>
@@ -46378,7 +46318,7 @@
           <p:cNvPr id="4" name="Slide Number Placeholder 3">
             <a:extLst>
               <a:ext uri="{FF2B5EF4-FFF2-40B4-BE49-F238E27FC236}">
-                <a16:creationId xmlns:a16="http://schemas.microsoft.com/office/drawing/2014/main" xmlns="" id="{93A9EA09-A8B2-4474-BE54-4228FC313644}"/>
+                <a16:creationId xmlns="" xmlns:a16="http://schemas.microsoft.com/office/drawing/2014/main" id="{93A9EA09-A8B2-4474-BE54-4228FC313644}"/>
               </a:ext>
             </a:extLst>
           </p:cNvPr>
@@ -46437,7 +46377,7 @@
           <p:cNvPr id="2" name="Title 1">
             <a:extLst>
               <a:ext uri="{FF2B5EF4-FFF2-40B4-BE49-F238E27FC236}">
-                <a16:creationId xmlns:a16="http://schemas.microsoft.com/office/drawing/2014/main" xmlns="" id="{70A77E1A-E14B-4D9C-ADFF-66DC7AFCA010}"/>
+                <a16:creationId xmlns="" xmlns:a16="http://schemas.microsoft.com/office/drawing/2014/main" id="{70A77E1A-E14B-4D9C-ADFF-66DC7AFCA010}"/>
               </a:ext>
             </a:extLst>
           </p:cNvPr>
@@ -46474,7 +46414,7 @@
           <p:cNvPr id="3" name="Content Placeholder 2">
             <a:extLst>
               <a:ext uri="{FF2B5EF4-FFF2-40B4-BE49-F238E27FC236}">
-                <a16:creationId xmlns:a16="http://schemas.microsoft.com/office/drawing/2014/main" xmlns="" id="{F94B22AD-BE71-4FE1-B09C-4ED6CFAEB25F}"/>
+                <a16:creationId xmlns="" xmlns:a16="http://schemas.microsoft.com/office/drawing/2014/main" id="{F94B22AD-BE71-4FE1-B09C-4ED6CFAEB25F}"/>
               </a:ext>
             </a:extLst>
           </p:cNvPr>
@@ -46564,7 +46504,7 @@
           <p:cNvPr id="4" name="Text Placeholder 3">
             <a:extLst>
               <a:ext uri="{FF2B5EF4-FFF2-40B4-BE49-F238E27FC236}">
-                <a16:creationId xmlns:a16="http://schemas.microsoft.com/office/drawing/2014/main" xmlns="" id="{05D35447-667A-45D2-8153-2C054F858105}"/>
+                <a16:creationId xmlns="" xmlns:a16="http://schemas.microsoft.com/office/drawing/2014/main" id="{05D35447-667A-45D2-8153-2C054F858105}"/>
               </a:ext>
             </a:extLst>
           </p:cNvPr>
@@ -46635,7 +46575,7 @@
           <p:cNvPr id="5" name="Date Placeholder 4">
             <a:extLst>
               <a:ext uri="{FF2B5EF4-FFF2-40B4-BE49-F238E27FC236}">
-                <a16:creationId xmlns:a16="http://schemas.microsoft.com/office/drawing/2014/main" xmlns="" id="{F2B57816-40DE-49DB-ABC9-243E2ED06109}"/>
+                <a16:creationId xmlns="" xmlns:a16="http://schemas.microsoft.com/office/drawing/2014/main" id="{F2B57816-40DE-49DB-ABC9-243E2ED06109}"/>
               </a:ext>
             </a:extLst>
           </p:cNvPr>
@@ -46653,7 +46593,7 @@
           <a:p>
             <a:fld id="{97465F73-2909-4024-B8BE-57C88E96E4E7}" type="datetimeFigureOut">
               <a:rPr lang="en-US" smtClean="0"/>
-              <a:t>6/15/2018</a:t>
+              <a:t>6/20/2018</a:t>
             </a:fld>
             <a:endParaRPr lang="en-US"/>
           </a:p>
@@ -46664,7 +46604,7 @@
           <p:cNvPr id="6" name="Footer Placeholder 5">
             <a:extLst>
               <a:ext uri="{FF2B5EF4-FFF2-40B4-BE49-F238E27FC236}">
-                <a16:creationId xmlns:a16="http://schemas.microsoft.com/office/drawing/2014/main" xmlns="" id="{CCA12413-DE0A-41E4-9BAB-26BA56E84DB2}"/>
+                <a16:creationId xmlns="" xmlns:a16="http://schemas.microsoft.com/office/drawing/2014/main" id="{CCA12413-DE0A-41E4-9BAB-26BA56E84DB2}"/>
               </a:ext>
             </a:extLst>
           </p:cNvPr>
@@ -46689,7 +46629,7 @@
           <p:cNvPr id="7" name="Slide Number Placeholder 6">
             <a:extLst>
               <a:ext uri="{FF2B5EF4-FFF2-40B4-BE49-F238E27FC236}">
-                <a16:creationId xmlns:a16="http://schemas.microsoft.com/office/drawing/2014/main" xmlns="" id="{875DDDD2-72A1-46B0-9518-A1AB368CB972}"/>
+                <a16:creationId xmlns="" xmlns:a16="http://schemas.microsoft.com/office/drawing/2014/main" id="{875DDDD2-72A1-46B0-9518-A1AB368CB972}"/>
               </a:ext>
             </a:extLst>
           </p:cNvPr>
@@ -46748,7 +46688,7 @@
           <p:cNvPr id="2" name="Title 1">
             <a:extLst>
               <a:ext uri="{FF2B5EF4-FFF2-40B4-BE49-F238E27FC236}">
-                <a16:creationId xmlns:a16="http://schemas.microsoft.com/office/drawing/2014/main" xmlns="" id="{64BB3813-C75B-4A33-AE72-7420F2DB4B0C}"/>
+                <a16:creationId xmlns="" xmlns:a16="http://schemas.microsoft.com/office/drawing/2014/main" id="{64BB3813-C75B-4A33-AE72-7420F2DB4B0C}"/>
               </a:ext>
             </a:extLst>
           </p:cNvPr>
@@ -46785,7 +46725,7 @@
           <p:cNvPr id="3" name="Picture Placeholder 2">
             <a:extLst>
               <a:ext uri="{FF2B5EF4-FFF2-40B4-BE49-F238E27FC236}">
-                <a16:creationId xmlns:a16="http://schemas.microsoft.com/office/drawing/2014/main" xmlns="" id="{1AE937B2-D87E-43CA-AB96-27FC90A492C1}"/>
+                <a16:creationId xmlns="" xmlns:a16="http://schemas.microsoft.com/office/drawing/2014/main" id="{1AE937B2-D87E-43CA-AB96-27FC90A492C1}"/>
               </a:ext>
             </a:extLst>
           </p:cNvPr>
@@ -46852,7 +46792,7 @@
           <p:cNvPr id="4" name="Text Placeholder 3">
             <a:extLst>
               <a:ext uri="{FF2B5EF4-FFF2-40B4-BE49-F238E27FC236}">
-                <a16:creationId xmlns:a16="http://schemas.microsoft.com/office/drawing/2014/main" xmlns="" id="{009EA867-0F94-447E-B899-A21CF9AAD6D9}"/>
+                <a16:creationId xmlns="" xmlns:a16="http://schemas.microsoft.com/office/drawing/2014/main" id="{009EA867-0F94-447E-B899-A21CF9AAD6D9}"/>
               </a:ext>
             </a:extLst>
           </p:cNvPr>
@@ -46923,7 +46863,7 @@
           <p:cNvPr id="5" name="Date Placeholder 4">
             <a:extLst>
               <a:ext uri="{FF2B5EF4-FFF2-40B4-BE49-F238E27FC236}">
-                <a16:creationId xmlns:a16="http://schemas.microsoft.com/office/drawing/2014/main" xmlns="" id="{34C35534-46F7-4FA7-9C35-D2541DB72722}"/>
+                <a16:creationId xmlns="" xmlns:a16="http://schemas.microsoft.com/office/drawing/2014/main" id="{34C35534-46F7-4FA7-9C35-D2541DB72722}"/>
               </a:ext>
             </a:extLst>
           </p:cNvPr>
@@ -46941,7 +46881,7 @@
           <a:p>
             <a:fld id="{97465F73-2909-4024-B8BE-57C88E96E4E7}" type="datetimeFigureOut">
               <a:rPr lang="en-US" smtClean="0"/>
-              <a:t>6/15/2018</a:t>
+              <a:t>6/20/2018</a:t>
             </a:fld>
             <a:endParaRPr lang="en-US"/>
           </a:p>
@@ -46952,7 +46892,7 @@
           <p:cNvPr id="6" name="Footer Placeholder 5">
             <a:extLst>
               <a:ext uri="{FF2B5EF4-FFF2-40B4-BE49-F238E27FC236}">
-                <a16:creationId xmlns:a16="http://schemas.microsoft.com/office/drawing/2014/main" xmlns="" id="{8E4C5859-1DD7-4968-A2CA-2F6ED29E9986}"/>
+                <a16:creationId xmlns="" xmlns:a16="http://schemas.microsoft.com/office/drawing/2014/main" id="{8E4C5859-1DD7-4968-A2CA-2F6ED29E9986}"/>
               </a:ext>
             </a:extLst>
           </p:cNvPr>
@@ -46977,7 +46917,7 @@
           <p:cNvPr id="7" name="Slide Number Placeholder 6">
             <a:extLst>
               <a:ext uri="{FF2B5EF4-FFF2-40B4-BE49-F238E27FC236}">
-                <a16:creationId xmlns:a16="http://schemas.microsoft.com/office/drawing/2014/main" xmlns="" id="{707F3B58-AEF6-4AF4-AD4A-136C84EEC789}"/>
+                <a16:creationId xmlns="" xmlns:a16="http://schemas.microsoft.com/office/drawing/2014/main" id="{707F3B58-AEF6-4AF4-AD4A-136C84EEC789}"/>
               </a:ext>
             </a:extLst>
           </p:cNvPr>
@@ -47041,7 +46981,7 @@
           <p:cNvPr id="2" name="Title Placeholder 1">
             <a:extLst>
               <a:ext uri="{FF2B5EF4-FFF2-40B4-BE49-F238E27FC236}">
-                <a16:creationId xmlns:a16="http://schemas.microsoft.com/office/drawing/2014/main" xmlns="" id="{47976240-31CD-48C7-927A-D6D5907252A8}"/>
+                <a16:creationId xmlns="" xmlns:a16="http://schemas.microsoft.com/office/drawing/2014/main" id="{47976240-31CD-48C7-927A-D6D5907252A8}"/>
               </a:ext>
             </a:extLst>
           </p:cNvPr>
@@ -47079,7 +47019,7 @@
           <p:cNvPr id="3" name="Text Placeholder 2">
             <a:extLst>
               <a:ext uri="{FF2B5EF4-FFF2-40B4-BE49-F238E27FC236}">
-                <a16:creationId xmlns:a16="http://schemas.microsoft.com/office/drawing/2014/main" xmlns="" id="{0D167BAC-63BA-4CEE-AAA1-002ED410ABD5}"/>
+                <a16:creationId xmlns="" xmlns:a16="http://schemas.microsoft.com/office/drawing/2014/main" id="{0D167BAC-63BA-4CEE-AAA1-002ED410ABD5}"/>
               </a:ext>
             </a:extLst>
           </p:cNvPr>
@@ -47146,7 +47086,7 @@
           <p:cNvPr id="4" name="Date Placeholder 3">
             <a:extLst>
               <a:ext uri="{FF2B5EF4-FFF2-40B4-BE49-F238E27FC236}">
-                <a16:creationId xmlns:a16="http://schemas.microsoft.com/office/drawing/2014/main" xmlns="" id="{52A7B6D6-A410-46D9-8AA1-A45397D1D853}"/>
+                <a16:creationId xmlns="" xmlns:a16="http://schemas.microsoft.com/office/drawing/2014/main" id="{52A7B6D6-A410-46D9-8AA1-A45397D1D853}"/>
               </a:ext>
             </a:extLst>
           </p:cNvPr>
@@ -47182,7 +47122,7 @@
           <a:p>
             <a:fld id="{97465F73-2909-4024-B8BE-57C88E96E4E7}" type="datetimeFigureOut">
               <a:rPr lang="en-US" smtClean="0"/>
-              <a:t>6/15/2018</a:t>
+              <a:t>6/20/2018</a:t>
             </a:fld>
             <a:endParaRPr lang="en-US"/>
           </a:p>
@@ -47193,7 +47133,7 @@
           <p:cNvPr id="5" name="Footer Placeholder 4">
             <a:extLst>
               <a:ext uri="{FF2B5EF4-FFF2-40B4-BE49-F238E27FC236}">
-                <a16:creationId xmlns:a16="http://schemas.microsoft.com/office/drawing/2014/main" xmlns="" id="{26F5F942-A3A0-42A7-9B05-992EDC09A986}"/>
+                <a16:creationId xmlns="" xmlns:a16="http://schemas.microsoft.com/office/drawing/2014/main" id="{26F5F942-A3A0-42A7-9B05-992EDC09A986}"/>
               </a:ext>
             </a:extLst>
           </p:cNvPr>
@@ -47236,7 +47176,7 @@
           <p:cNvPr id="6" name="Slide Number Placeholder 5">
             <a:extLst>
               <a:ext uri="{FF2B5EF4-FFF2-40B4-BE49-F238E27FC236}">
-                <a16:creationId xmlns:a16="http://schemas.microsoft.com/office/drawing/2014/main" xmlns="" id="{65E0C917-BB6C-4E74-8484-66DC58C64B15}"/>
+                <a16:creationId xmlns="" xmlns:a16="http://schemas.microsoft.com/office/drawing/2014/main" id="{65E0C917-BB6C-4E74-8484-66DC58C64B15}"/>
               </a:ext>
             </a:extLst>
           </p:cNvPr>
@@ -47604,7 +47544,7 @@
           <p:cNvPr id="2" name="Title 1">
             <a:extLst>
               <a:ext uri="{FF2B5EF4-FFF2-40B4-BE49-F238E27FC236}">
-                <a16:creationId xmlns:a16="http://schemas.microsoft.com/office/drawing/2014/main" xmlns="" id="{595CD284-FC28-4F6A-8AE2-17FA17067F66}"/>
+                <a16:creationId xmlns="" xmlns:a16="http://schemas.microsoft.com/office/drawing/2014/main" id="{595CD284-FC28-4F6A-8AE2-17FA17067F66}"/>
               </a:ext>
             </a:extLst>
           </p:cNvPr>
@@ -47643,7 +47583,7 @@
           <p:cNvPr id="3" name="Subtitle 2">
             <a:extLst>
               <a:ext uri="{FF2B5EF4-FFF2-40B4-BE49-F238E27FC236}">
-                <a16:creationId xmlns:a16="http://schemas.microsoft.com/office/drawing/2014/main" xmlns="" id="{C406C61C-EFBB-47FA-978C-B17304AF357A}"/>
+                <a16:creationId xmlns="" xmlns:a16="http://schemas.microsoft.com/office/drawing/2014/main" id="{C406C61C-EFBB-47FA-978C-B17304AF357A}"/>
               </a:ext>
             </a:extLst>
           </p:cNvPr>
@@ -47701,7 +47641,227 @@
           <p:cNvPr id="2" name="Title 1">
             <a:extLst>
               <a:ext uri="{FF2B5EF4-FFF2-40B4-BE49-F238E27FC236}">
-                <a16:creationId xmlns:a16="http://schemas.microsoft.com/office/drawing/2014/main" xmlns="" id="{1514A497-1921-42E2-95A2-3AE389656F4A}"/>
+                <a16:creationId xmlns="" xmlns:a16="http://schemas.microsoft.com/office/drawing/2014/main" id="{CEC3B887-7394-48AA-907B-0B9BE4521DDA}"/>
+              </a:ext>
+            </a:extLst>
+          </p:cNvPr>
+          <p:cNvSpPr>
+            <a:spLocks noGrp="1"/>
+          </p:cNvSpPr>
+          <p:nvPr>
+            <p:ph type="title"/>
+          </p:nvPr>
+        </p:nvSpPr>
+        <p:spPr/>
+        <p:txBody>
+          <a:bodyPr/>
+          <a:lstStyle/>
+          <a:p>
+            <a:r>
+              <a:rPr lang="en-US" dirty="0"/>
+              <a:t>Phase Steps: Frequency (SS fit vs LM)</a:t>
+            </a:r>
+          </a:p>
+        </p:txBody>
+      </p:sp>
+      <p:graphicFrame>
+        <p:nvGraphicFramePr>
+          <p:cNvPr id="6" name="Chart 5">
+            <a:extLst>
+              <a:ext uri="{FF2B5EF4-FFF2-40B4-BE49-F238E27FC236}">
+                <a16:creationId xmlns="" xmlns:a16="http://schemas.microsoft.com/office/drawing/2014/main" id="{00000000-0008-0000-0200-000006000000}"/>
+              </a:ext>
+            </a:extLst>
+          </p:cNvPr>
+          <p:cNvGraphicFramePr>
+            <a:graphicFrameLocks/>
+          </p:cNvGraphicFramePr>
+          <p:nvPr>
+            <p:extLst>
+              <p:ext uri="{D42A27DB-BD31-4B8C-83A1-F6EECF244321}">
+                <p14:modId xmlns:p14="http://schemas.microsoft.com/office/powerpoint/2010/main" val="2156818716"/>
+              </p:ext>
+            </p:extLst>
+          </p:nvPr>
+        </p:nvGraphicFramePr>
+        <p:xfrm>
+          <a:off x="664724" y="1690688"/>
+          <a:ext cx="4267200" cy="2305050"/>
+        </p:xfrm>
+        <a:graphic>
+          <a:graphicData uri="http://schemas.openxmlformats.org/drawingml/2006/chart">
+            <c:chart xmlns:c="http://schemas.openxmlformats.org/drawingml/2006/chart" xmlns:r="http://schemas.openxmlformats.org/officeDocument/2006/relationships" r:id="rId2"/>
+          </a:graphicData>
+        </a:graphic>
+      </p:graphicFrame>
+      <p:graphicFrame>
+        <p:nvGraphicFramePr>
+          <p:cNvPr id="7" name="Chart 6">
+            <a:extLst>
+              <a:ext uri="{FF2B5EF4-FFF2-40B4-BE49-F238E27FC236}">
+                <a16:creationId xmlns="" xmlns:a16="http://schemas.microsoft.com/office/drawing/2014/main" id="{39CBA168-4755-47D9-A6D8-293346C245F1}"/>
+              </a:ext>
+            </a:extLst>
+          </p:cNvPr>
+          <p:cNvGraphicFramePr>
+            <a:graphicFrameLocks/>
+          </p:cNvGraphicFramePr>
+          <p:nvPr>
+            <p:extLst>
+              <p:ext uri="{D42A27DB-BD31-4B8C-83A1-F6EECF244321}">
+                <p14:modId xmlns:p14="http://schemas.microsoft.com/office/powerpoint/2010/main" val="3567099333"/>
+              </p:ext>
+            </p:extLst>
+          </p:nvPr>
+        </p:nvGraphicFramePr>
+        <p:xfrm>
+          <a:off x="664724" y="4168776"/>
+          <a:ext cx="4267200" cy="2305050"/>
+        </p:xfrm>
+        <a:graphic>
+          <a:graphicData uri="http://schemas.openxmlformats.org/drawingml/2006/chart">
+            <c:chart xmlns:c="http://schemas.openxmlformats.org/drawingml/2006/chart" xmlns:r="http://schemas.openxmlformats.org/officeDocument/2006/relationships" r:id="rId3"/>
+          </a:graphicData>
+        </a:graphic>
+      </p:graphicFrame>
+      <p:graphicFrame>
+        <p:nvGraphicFramePr>
+          <p:cNvPr id="8" name="Chart 7">
+            <a:extLst>
+              <a:ext uri="{FF2B5EF4-FFF2-40B4-BE49-F238E27FC236}">
+                <a16:creationId xmlns="" xmlns:a16="http://schemas.microsoft.com/office/drawing/2014/main" id="{94DE2BA4-B2B6-4A96-9E69-60520E982C53}"/>
+              </a:ext>
+            </a:extLst>
+          </p:cNvPr>
+          <p:cNvGraphicFramePr>
+            <a:graphicFrameLocks/>
+          </p:cNvGraphicFramePr>
+          <p:nvPr>
+            <p:extLst>
+              <p:ext uri="{D42A27DB-BD31-4B8C-83A1-F6EECF244321}">
+                <p14:modId xmlns:p14="http://schemas.microsoft.com/office/powerpoint/2010/main" val="2485491715"/>
+              </p:ext>
+            </p:extLst>
+          </p:nvPr>
+        </p:nvGraphicFramePr>
+        <p:xfrm>
+          <a:off x="6190034" y="1690688"/>
+          <a:ext cx="4267200" cy="2305050"/>
+        </p:xfrm>
+        <a:graphic>
+          <a:graphicData uri="http://schemas.openxmlformats.org/drawingml/2006/chart">
+            <c:chart xmlns:c="http://schemas.openxmlformats.org/drawingml/2006/chart" xmlns:r="http://schemas.openxmlformats.org/officeDocument/2006/relationships" r:id="rId4"/>
+          </a:graphicData>
+        </a:graphic>
+      </p:graphicFrame>
+      <p:sp>
+        <p:nvSpPr>
+          <p:cNvPr id="10" name="TextBox 9">
+            <a:extLst>
+              <a:ext uri="{FF2B5EF4-FFF2-40B4-BE49-F238E27FC236}">
+                <a16:creationId xmlns="" xmlns:a16="http://schemas.microsoft.com/office/drawing/2014/main" id="{E0E0F4D1-43C5-47B7-A9EF-F7BED78533B5}"/>
+              </a:ext>
+            </a:extLst>
+          </p:cNvPr>
+          <p:cNvSpPr txBox="1"/>
+          <p:nvPr/>
+        </p:nvSpPr>
+        <p:spPr>
+          <a:xfrm>
+            <a:off x="6096000" y="4503906"/>
+            <a:ext cx="6027740" cy="1200329"/>
+          </a:xfrm>
+          <a:prstGeom prst="rect">
+            <a:avLst/>
+          </a:prstGeom>
+          <a:noFill/>
+        </p:spPr>
+        <p:txBody>
+          <a:bodyPr wrap="none" rtlCol="0">
+            <a:spAutoFit/>
+          </a:bodyPr>
+          <a:lstStyle/>
+          <a:p>
+            <a:r>
+              <a:rPr lang="en-US" dirty="0"/>
+              <a:t>LM is more stable and accurate for different step instants (tau</a:t>
+            </a:r>
+            <a:r>
+              <a:rPr lang="en-US" dirty="0" smtClean="0"/>
+              <a:t>)</a:t>
+            </a:r>
+          </a:p>
+          <a:p>
+            <a:endParaRPr lang="en-US" dirty="0" smtClean="0"/>
+          </a:p>
+          <a:p>
+            <a:r>
+              <a:rPr lang="en-US" dirty="0" smtClean="0">
+                <a:solidFill>
+                  <a:srgbClr val="FF0000"/>
+                </a:solidFill>
+              </a:rPr>
+              <a:t>Uncertainty?</a:t>
+            </a:r>
+            <a:endParaRPr lang="en-US" dirty="0">
+              <a:solidFill>
+                <a:srgbClr val="FF0000"/>
+              </a:solidFill>
+            </a:endParaRPr>
+          </a:p>
+          <a:p>
+            <a:r>
+              <a:rPr lang="en-US" dirty="0" smtClean="0">
+                <a:solidFill>
+                  <a:srgbClr val="FF0000"/>
+                </a:solidFill>
+              </a:rPr>
+              <a:t>What about other phases? </a:t>
+            </a:r>
+            <a:endParaRPr lang="en-US" dirty="0">
+              <a:solidFill>
+                <a:srgbClr val="FF0000"/>
+              </a:solidFill>
+            </a:endParaRPr>
+          </a:p>
+        </p:txBody>
+      </p:sp>
+    </p:spTree>
+    <p:extLst>
+      <p:ext uri="{BB962C8B-B14F-4D97-AF65-F5344CB8AC3E}">
+        <p14:creationId xmlns:p14="http://schemas.microsoft.com/office/powerpoint/2010/main" val="3718532719"/>
+      </p:ext>
+    </p:extLst>
+  </p:cSld>
+  <p:clrMapOvr>
+    <a:masterClrMapping/>
+  </p:clrMapOvr>
+</p:sld>
+</file>
+
+<file path=ppt/slides/slide11.xml><?xml version="1.0" encoding="utf-8"?>
+<p:sld xmlns:a="http://schemas.openxmlformats.org/drawingml/2006/main" xmlns:r="http://schemas.openxmlformats.org/officeDocument/2006/relationships" xmlns:p="http://schemas.openxmlformats.org/presentationml/2006/main">
+  <p:cSld>
+    <p:spTree>
+      <p:nvGrpSpPr>
+        <p:cNvPr id="1" name=""/>
+        <p:cNvGrpSpPr/>
+        <p:nvPr/>
+      </p:nvGrpSpPr>
+      <p:grpSpPr>
+        <a:xfrm>
+          <a:off x="0" y="0"/>
+          <a:ext cx="0" cy="0"/>
+          <a:chOff x="0" y="0"/>
+          <a:chExt cx="0" cy="0"/>
+        </a:xfrm>
+      </p:grpSpPr>
+      <p:sp>
+        <p:nvSpPr>
+          <p:cNvPr id="2" name="Title 1">
+            <a:extLst>
+              <a:ext uri="{FF2B5EF4-FFF2-40B4-BE49-F238E27FC236}">
+                <a16:creationId xmlns="" xmlns:a16="http://schemas.microsoft.com/office/drawing/2014/main" id="{1514A497-1921-42E2-95A2-3AE389656F4A}"/>
               </a:ext>
             </a:extLst>
           </p:cNvPr>
@@ -47729,7 +47889,7 @@
           <p:cNvPr id="5" name="Chart 4">
             <a:extLst>
               <a:ext uri="{FF2B5EF4-FFF2-40B4-BE49-F238E27FC236}">
-                <a16:creationId xmlns:a16="http://schemas.microsoft.com/office/drawing/2014/main" xmlns="" id="{00000000-0008-0000-0700-00001E000000}"/>
+                <a16:creationId xmlns="" xmlns:a16="http://schemas.microsoft.com/office/drawing/2014/main" id="{00000000-0008-0000-0700-00001E000000}"/>
               </a:ext>
             </a:extLst>
           </p:cNvPr>
@@ -47759,7 +47919,7 @@
           <p:cNvPr id="6" name="Chart 5">
             <a:extLst>
               <a:ext uri="{FF2B5EF4-FFF2-40B4-BE49-F238E27FC236}">
-                <a16:creationId xmlns:a16="http://schemas.microsoft.com/office/drawing/2014/main" xmlns="" id="{00000000-0008-0000-0700-000022000000}"/>
+                <a16:creationId xmlns="" xmlns:a16="http://schemas.microsoft.com/office/drawing/2014/main" id="{00000000-0008-0000-0700-000022000000}"/>
               </a:ext>
             </a:extLst>
           </p:cNvPr>
@@ -47789,7 +47949,7 @@
           <p:cNvPr id="7" name="Chart 6">
             <a:extLst>
               <a:ext uri="{FF2B5EF4-FFF2-40B4-BE49-F238E27FC236}">
-                <a16:creationId xmlns:a16="http://schemas.microsoft.com/office/drawing/2014/main" xmlns="" id="{00000000-0008-0000-0B00-000004000000}"/>
+                <a16:creationId xmlns="" xmlns:a16="http://schemas.microsoft.com/office/drawing/2014/main" id="{00000000-0008-0000-0B00-000004000000}"/>
               </a:ext>
             </a:extLst>
           </p:cNvPr>
@@ -47819,7 +47979,7 @@
           <p:cNvPr id="8" name="Chart 7">
             <a:extLst>
               <a:ext uri="{FF2B5EF4-FFF2-40B4-BE49-F238E27FC236}">
-                <a16:creationId xmlns:a16="http://schemas.microsoft.com/office/drawing/2014/main" xmlns="" id="{00000000-0008-0000-0B00-00000D000000}"/>
+                <a16:creationId xmlns="" xmlns:a16="http://schemas.microsoft.com/office/drawing/2014/main" id="{00000000-0008-0000-0B00-00000D000000}"/>
               </a:ext>
             </a:extLst>
           </p:cNvPr>
@@ -47849,7 +48009,7 @@
           <p:cNvPr id="9" name="TextBox 8">
             <a:extLst>
               <a:ext uri="{FF2B5EF4-FFF2-40B4-BE49-F238E27FC236}">
-                <a16:creationId xmlns:a16="http://schemas.microsoft.com/office/drawing/2014/main" xmlns="" id="{DBEB880F-4E43-4E7C-9E6A-48A652CAAD36}"/>
+                <a16:creationId xmlns="" xmlns:a16="http://schemas.microsoft.com/office/drawing/2014/main" id="{DBEB880F-4E43-4E7C-9E6A-48A652CAAD36}"/>
               </a:ext>
             </a:extLst>
           </p:cNvPr>
@@ -47942,7 +48102,7 @@
 </p:sld>
 </file>
 
-<file path=ppt/slides/slide11.xml><?xml version="1.0" encoding="utf-8"?>
+<file path=ppt/slides/slide12.xml><?xml version="1.0" encoding="utf-8"?>
 <p:sld xmlns:a="http://schemas.openxmlformats.org/drawingml/2006/main" xmlns:r="http://schemas.openxmlformats.org/officeDocument/2006/relationships" xmlns:p="http://schemas.openxmlformats.org/presentationml/2006/main">
   <p:cSld>
     <p:spTree>
@@ -47964,7 +48124,7 @@
           <p:cNvPr id="2" name="Title 1">
             <a:extLst>
               <a:ext uri="{FF2B5EF4-FFF2-40B4-BE49-F238E27FC236}">
-                <a16:creationId xmlns:a16="http://schemas.microsoft.com/office/drawing/2014/main" xmlns="" id="{366D86FC-A87B-47F5-9034-E66F3D5E7FA4}"/>
+                <a16:creationId xmlns="" xmlns:a16="http://schemas.microsoft.com/office/drawing/2014/main" id="{366D86FC-A87B-47F5-9034-E66F3D5E7FA4}"/>
               </a:ext>
             </a:extLst>
           </p:cNvPr>
@@ -47992,7 +48152,7 @@
           <p:cNvPr id="4" name="Chart 3">
             <a:extLst>
               <a:ext uri="{FF2B5EF4-FFF2-40B4-BE49-F238E27FC236}">
-                <a16:creationId xmlns:a16="http://schemas.microsoft.com/office/drawing/2014/main" xmlns="" id="{00000000-0008-0000-0700-000002000000}"/>
+                <a16:creationId xmlns="" xmlns:a16="http://schemas.microsoft.com/office/drawing/2014/main" id="{00000000-0008-0000-0700-000002000000}"/>
               </a:ext>
             </a:extLst>
           </p:cNvPr>
@@ -48022,7 +48182,7 @@
           <p:cNvPr id="6" name="Chart 5">
             <a:extLst>
               <a:ext uri="{FF2B5EF4-FFF2-40B4-BE49-F238E27FC236}">
-                <a16:creationId xmlns:a16="http://schemas.microsoft.com/office/drawing/2014/main" xmlns="" id="{00000000-0008-0000-0700-00000F000000}"/>
+                <a16:creationId xmlns="" xmlns:a16="http://schemas.microsoft.com/office/drawing/2014/main" id="{00000000-0008-0000-0700-00000F000000}"/>
               </a:ext>
             </a:extLst>
           </p:cNvPr>
@@ -48052,7 +48212,7 @@
           <p:cNvPr id="7" name="Chart 6">
             <a:extLst>
               <a:ext uri="{FF2B5EF4-FFF2-40B4-BE49-F238E27FC236}">
-                <a16:creationId xmlns:a16="http://schemas.microsoft.com/office/drawing/2014/main" xmlns="" id="{00000000-0008-0000-0700-000010000000}"/>
+                <a16:creationId xmlns="" xmlns:a16="http://schemas.microsoft.com/office/drawing/2014/main" id="{00000000-0008-0000-0700-000010000000}"/>
               </a:ext>
             </a:extLst>
           </p:cNvPr>
@@ -48082,7 +48242,7 @@
           <p:cNvPr id="9" name="Chart 8">
             <a:extLst>
               <a:ext uri="{FF2B5EF4-FFF2-40B4-BE49-F238E27FC236}">
-                <a16:creationId xmlns:a16="http://schemas.microsoft.com/office/drawing/2014/main" xmlns="" id="{00000000-0008-0000-0B00-000008000000}"/>
+                <a16:creationId xmlns="" xmlns:a16="http://schemas.microsoft.com/office/drawing/2014/main" id="{00000000-0008-0000-0B00-000008000000}"/>
               </a:ext>
             </a:extLst>
           </p:cNvPr>
@@ -48112,7 +48272,7 @@
           <p:cNvPr id="10" name="Chart 9">
             <a:extLst>
               <a:ext uri="{FF2B5EF4-FFF2-40B4-BE49-F238E27FC236}">
-                <a16:creationId xmlns:a16="http://schemas.microsoft.com/office/drawing/2014/main" xmlns="" id="{00000000-0008-0000-0B00-000005000000}"/>
+                <a16:creationId xmlns="" xmlns:a16="http://schemas.microsoft.com/office/drawing/2014/main" id="{00000000-0008-0000-0B00-000005000000}"/>
               </a:ext>
             </a:extLst>
           </p:cNvPr>
@@ -48142,7 +48302,7 @@
           <p:cNvPr id="11" name="TextBox 10">
             <a:extLst>
               <a:ext uri="{FF2B5EF4-FFF2-40B4-BE49-F238E27FC236}">
-                <a16:creationId xmlns:a16="http://schemas.microsoft.com/office/drawing/2014/main" xmlns="" id="{696C08F1-A58E-4E40-B41C-0BC478DAF6E4}"/>
+                <a16:creationId xmlns="" xmlns:a16="http://schemas.microsoft.com/office/drawing/2014/main" id="{696C08F1-A58E-4E40-B41C-0BC478DAF6E4}"/>
               </a:ext>
             </a:extLst>
           </p:cNvPr>
@@ -48185,7 +48345,7 @@
 </p:sld>
 </file>
 
-<file path=ppt/slides/slide12.xml><?xml version="1.0" encoding="utf-8"?>
+<file path=ppt/slides/slide13.xml><?xml version="1.0" encoding="utf-8"?>
 <p:sld xmlns:a="http://schemas.openxmlformats.org/drawingml/2006/main" xmlns:r="http://schemas.openxmlformats.org/officeDocument/2006/relationships" xmlns:p="http://schemas.openxmlformats.org/presentationml/2006/main">
   <p:cSld>
     <p:spTree>
@@ -48207,7 +48367,7 @@
           <p:cNvPr id="2" name="Title 1">
             <a:extLst>
               <a:ext uri="{FF2B5EF4-FFF2-40B4-BE49-F238E27FC236}">
-                <a16:creationId xmlns:a16="http://schemas.microsoft.com/office/drawing/2014/main" xmlns="" id="{2754390D-74C3-4F39-913F-710C32C5B9A0}"/>
+                <a16:creationId xmlns="" xmlns:a16="http://schemas.microsoft.com/office/drawing/2014/main" id="{2754390D-74C3-4F39-913F-710C32C5B9A0}"/>
               </a:ext>
             </a:extLst>
           </p:cNvPr>
@@ -48235,7 +48395,7 @@
           <p:cNvPr id="4" name="Chart 3">
             <a:extLst>
               <a:ext uri="{FF2B5EF4-FFF2-40B4-BE49-F238E27FC236}">
-                <a16:creationId xmlns:a16="http://schemas.microsoft.com/office/drawing/2014/main" xmlns="" id="{00000000-0008-0000-0B00-000006000000}"/>
+                <a16:creationId xmlns="" xmlns:a16="http://schemas.microsoft.com/office/drawing/2014/main" id="{00000000-0008-0000-0B00-000006000000}"/>
               </a:ext>
             </a:extLst>
           </p:cNvPr>
@@ -48265,7 +48425,7 @@
           <p:cNvPr id="5" name="Chart 4">
             <a:extLst>
               <a:ext uri="{FF2B5EF4-FFF2-40B4-BE49-F238E27FC236}">
-                <a16:creationId xmlns:a16="http://schemas.microsoft.com/office/drawing/2014/main" xmlns="" id="{00000000-0008-0000-0700-00001D000000}"/>
+                <a16:creationId xmlns="" xmlns:a16="http://schemas.microsoft.com/office/drawing/2014/main" id="{00000000-0008-0000-0700-00001D000000}"/>
               </a:ext>
             </a:extLst>
           </p:cNvPr>
@@ -48295,7 +48455,7 @@
           <p:cNvPr id="6" name="Chart 5">
             <a:extLst>
               <a:ext uri="{FF2B5EF4-FFF2-40B4-BE49-F238E27FC236}">
-                <a16:creationId xmlns:a16="http://schemas.microsoft.com/office/drawing/2014/main" xmlns="" id="{00000000-0008-0000-0700-000023000000}"/>
+                <a16:creationId xmlns="" xmlns:a16="http://schemas.microsoft.com/office/drawing/2014/main" id="{00000000-0008-0000-0700-000023000000}"/>
               </a:ext>
             </a:extLst>
           </p:cNvPr>
@@ -48325,7 +48485,7 @@
           <p:cNvPr id="7" name="Chart 6">
             <a:extLst>
               <a:ext uri="{FF2B5EF4-FFF2-40B4-BE49-F238E27FC236}">
-                <a16:creationId xmlns:a16="http://schemas.microsoft.com/office/drawing/2014/main" xmlns="" id="{00000000-0008-0000-0B00-00000F000000}"/>
+                <a16:creationId xmlns="" xmlns:a16="http://schemas.microsoft.com/office/drawing/2014/main" id="{00000000-0008-0000-0B00-00000F000000}"/>
               </a:ext>
             </a:extLst>
           </p:cNvPr>
@@ -48355,7 +48515,7 @@
           <p:cNvPr id="8" name="TextBox 7">
             <a:extLst>
               <a:ext uri="{FF2B5EF4-FFF2-40B4-BE49-F238E27FC236}">
-                <a16:creationId xmlns:a16="http://schemas.microsoft.com/office/drawing/2014/main" xmlns="" id="{DD04941B-3924-4822-9948-730785E64168}"/>
+                <a16:creationId xmlns="" xmlns:a16="http://schemas.microsoft.com/office/drawing/2014/main" id="{DD04941B-3924-4822-9948-730785E64168}"/>
               </a:ext>
             </a:extLst>
           </p:cNvPr>
@@ -48404,7 +48564,7 @@
 </p:sld>
 </file>
 
-<file path=ppt/slides/slide13.xml><?xml version="1.0" encoding="utf-8"?>
+<file path=ppt/slides/slide14.xml><?xml version="1.0" encoding="utf-8"?>
 <p:sld xmlns:a="http://schemas.openxmlformats.org/drawingml/2006/main" xmlns:r="http://schemas.openxmlformats.org/officeDocument/2006/relationships" xmlns:p="http://schemas.openxmlformats.org/presentationml/2006/main">
   <p:cSld>
     <p:spTree>
@@ -48426,7 +48586,7 @@
           <p:cNvPr id="2" name="Title 1">
             <a:extLst>
               <a:ext uri="{FF2B5EF4-FFF2-40B4-BE49-F238E27FC236}">
-                <a16:creationId xmlns:a16="http://schemas.microsoft.com/office/drawing/2014/main" xmlns="" id="{9420493B-E092-43E2-A3C6-41A6A8796023}"/>
+                <a16:creationId xmlns="" xmlns:a16="http://schemas.microsoft.com/office/drawing/2014/main" id="{9420493B-E092-43E2-A3C6-41A6A8796023}"/>
               </a:ext>
             </a:extLst>
           </p:cNvPr>
@@ -48454,7 +48614,7 @@
           <p:cNvPr id="6" name="TextBox 5">
             <a:extLst>
               <a:ext uri="{FF2B5EF4-FFF2-40B4-BE49-F238E27FC236}">
-                <a16:creationId xmlns:a16="http://schemas.microsoft.com/office/drawing/2014/main" xmlns="" id="{A42814F8-9551-4147-910C-0B9B160C0DD4}"/>
+                <a16:creationId xmlns="" xmlns:a16="http://schemas.microsoft.com/office/drawing/2014/main" id="{A42814F8-9551-4147-910C-0B9B160C0DD4}"/>
               </a:ext>
             </a:extLst>
           </p:cNvPr>
@@ -48489,7 +48649,7 @@
           <p:cNvPr id="7" name="Chart 6">
             <a:extLst>
               <a:ext uri="{FF2B5EF4-FFF2-40B4-BE49-F238E27FC236}">
-                <a16:creationId xmlns:a16="http://schemas.microsoft.com/office/drawing/2014/main" xmlns="" id="{81FC81CE-B1C5-4748-87B4-C81D03B88B1D}"/>
+                <a16:creationId xmlns="" xmlns:a16="http://schemas.microsoft.com/office/drawing/2014/main" id="{81FC81CE-B1C5-4748-87B4-C81D03B88B1D}"/>
               </a:ext>
             </a:extLst>
           </p:cNvPr>
@@ -48519,7 +48679,7 @@
           <p:cNvPr id="8" name="Chart 7">
             <a:extLst>
               <a:ext uri="{FF2B5EF4-FFF2-40B4-BE49-F238E27FC236}">
-                <a16:creationId xmlns:a16="http://schemas.microsoft.com/office/drawing/2014/main" xmlns="" id="{00000000-0008-0000-0200-000004000000}"/>
+                <a16:creationId xmlns="" xmlns:a16="http://schemas.microsoft.com/office/drawing/2014/main" id="{00000000-0008-0000-0200-000004000000}"/>
               </a:ext>
             </a:extLst>
           </p:cNvPr>
@@ -48549,7 +48709,7 @@
           <p:cNvPr id="9" name="Chart 8">
             <a:extLst>
               <a:ext uri="{FF2B5EF4-FFF2-40B4-BE49-F238E27FC236}">
-                <a16:creationId xmlns:a16="http://schemas.microsoft.com/office/drawing/2014/main" xmlns="" id="{00000000-0008-0000-0200-000005000000}"/>
+                <a16:creationId xmlns="" xmlns:a16="http://schemas.microsoft.com/office/drawing/2014/main" id="{00000000-0008-0000-0200-000005000000}"/>
               </a:ext>
             </a:extLst>
           </p:cNvPr>
@@ -48579,7 +48739,7 @@
           <p:cNvPr id="10" name="Chart 9">
             <a:extLst>
               <a:ext uri="{FF2B5EF4-FFF2-40B4-BE49-F238E27FC236}">
-                <a16:creationId xmlns:a16="http://schemas.microsoft.com/office/drawing/2014/main" xmlns="" id="{00000000-0008-0000-0B00-000016000000}"/>
+                <a16:creationId xmlns="" xmlns:a16="http://schemas.microsoft.com/office/drawing/2014/main" id="{00000000-0008-0000-0B00-000016000000}"/>
               </a:ext>
             </a:extLst>
           </p:cNvPr>
@@ -48609,7 +48769,7 @@
           <p:cNvPr id="11" name="TextBox 10">
             <a:extLst>
               <a:ext uri="{FF2B5EF4-FFF2-40B4-BE49-F238E27FC236}">
-                <a16:creationId xmlns:a16="http://schemas.microsoft.com/office/drawing/2014/main" xmlns="" id="{8216B669-BF8D-4297-BEE5-46FF05084AB2}"/>
+                <a16:creationId xmlns="" xmlns:a16="http://schemas.microsoft.com/office/drawing/2014/main" id="{8216B669-BF8D-4297-BEE5-46FF05084AB2}"/>
               </a:ext>
             </a:extLst>
           </p:cNvPr>
@@ -48679,7 +48839,7 @@
 </p:sld>
 </file>
 
-<file path=ppt/slides/slide14.xml><?xml version="1.0" encoding="utf-8"?>
+<file path=ppt/slides/slide15.xml><?xml version="1.0" encoding="utf-8"?>
 <p:sld xmlns:a="http://schemas.openxmlformats.org/drawingml/2006/main" xmlns:r="http://schemas.openxmlformats.org/officeDocument/2006/relationships" xmlns:p="http://schemas.openxmlformats.org/presentationml/2006/main">
   <p:cSld>
     <p:spTree>
@@ -48701,7 +48861,7 @@
           <p:cNvPr id="2" name="Title 1">
             <a:extLst>
               <a:ext uri="{FF2B5EF4-FFF2-40B4-BE49-F238E27FC236}">
-                <a16:creationId xmlns:a16="http://schemas.microsoft.com/office/drawing/2014/main" xmlns="" id="{C32DE0F2-3255-41F4-B34D-087B08DFD32D}"/>
+                <a16:creationId xmlns="" xmlns:a16="http://schemas.microsoft.com/office/drawing/2014/main" id="{C32DE0F2-3255-41F4-B34D-087B08DFD32D}"/>
               </a:ext>
             </a:extLst>
           </p:cNvPr>
@@ -48729,7 +48889,7 @@
           <p:cNvPr id="5" name="Chart 4">
             <a:extLst>
               <a:ext uri="{FF2B5EF4-FFF2-40B4-BE49-F238E27FC236}">
-                <a16:creationId xmlns:a16="http://schemas.microsoft.com/office/drawing/2014/main" xmlns="" id="{00000000-0008-0000-0B00-000014000000}"/>
+                <a16:creationId xmlns="" xmlns:a16="http://schemas.microsoft.com/office/drawing/2014/main" id="{00000000-0008-0000-0B00-000014000000}"/>
               </a:ext>
             </a:extLst>
           </p:cNvPr>
@@ -48759,7 +48919,7 @@
           <p:cNvPr id="6" name="Chart 5">
             <a:extLst>
               <a:ext uri="{FF2B5EF4-FFF2-40B4-BE49-F238E27FC236}">
-                <a16:creationId xmlns:a16="http://schemas.microsoft.com/office/drawing/2014/main" xmlns="" id="{00000000-0008-0000-0700-000005000000}"/>
+                <a16:creationId xmlns="" xmlns:a16="http://schemas.microsoft.com/office/drawing/2014/main" id="{00000000-0008-0000-0700-000005000000}"/>
               </a:ext>
             </a:extLst>
           </p:cNvPr>
@@ -48789,7 +48949,7 @@
           <p:cNvPr id="7" name="TextBox 6">
             <a:extLst>
               <a:ext uri="{FF2B5EF4-FFF2-40B4-BE49-F238E27FC236}">
-                <a16:creationId xmlns:a16="http://schemas.microsoft.com/office/drawing/2014/main" xmlns="" id="{81B3D92D-D566-4648-8A10-454DCE19DB95}"/>
+                <a16:creationId xmlns="" xmlns:a16="http://schemas.microsoft.com/office/drawing/2014/main" id="{81B3D92D-D566-4648-8A10-454DCE19DB95}"/>
               </a:ext>
             </a:extLst>
           </p:cNvPr>
@@ -48846,7 +49006,7 @@
 </p:sld>
 </file>
 
-<file path=ppt/slides/slide15.xml><?xml version="1.0" encoding="utf-8"?>
+<file path=ppt/slides/slide16.xml><?xml version="1.0" encoding="utf-8"?>
 <p:sld xmlns:a="http://schemas.openxmlformats.org/drawingml/2006/main" xmlns:r="http://schemas.openxmlformats.org/officeDocument/2006/relationships" xmlns:p="http://schemas.openxmlformats.org/presentationml/2006/main">
   <p:cSld>
     <p:spTree>
@@ -48868,7 +49028,7 @@
           <p:cNvPr id="2" name="Title 1">
             <a:extLst>
               <a:ext uri="{FF2B5EF4-FFF2-40B4-BE49-F238E27FC236}">
-                <a16:creationId xmlns:a16="http://schemas.microsoft.com/office/drawing/2014/main" xmlns="" id="{1D6AEC8D-5A2C-437D-93DE-656436C593CF}"/>
+                <a16:creationId xmlns="" xmlns:a16="http://schemas.microsoft.com/office/drawing/2014/main" id="{1D6AEC8D-5A2C-437D-93DE-656436C593CF}"/>
               </a:ext>
             </a:extLst>
           </p:cNvPr>
@@ -48896,7 +49056,7 @@
           <p:cNvPr id="4" name="Chart 3">
             <a:extLst>
               <a:ext uri="{FF2B5EF4-FFF2-40B4-BE49-F238E27FC236}">
-                <a16:creationId xmlns:a16="http://schemas.microsoft.com/office/drawing/2014/main" xmlns="" id="{00000000-0008-0000-0700-000006000000}"/>
+                <a16:creationId xmlns="" xmlns:a16="http://schemas.microsoft.com/office/drawing/2014/main" id="{00000000-0008-0000-0700-000006000000}"/>
               </a:ext>
             </a:extLst>
           </p:cNvPr>
@@ -48926,7 +49086,7 @@
           <p:cNvPr id="5" name="Chart 4">
             <a:extLst>
               <a:ext uri="{FF2B5EF4-FFF2-40B4-BE49-F238E27FC236}">
-                <a16:creationId xmlns:a16="http://schemas.microsoft.com/office/drawing/2014/main" xmlns="" id="{00000000-0008-0000-0700-000015000000}"/>
+                <a16:creationId xmlns="" xmlns:a16="http://schemas.microsoft.com/office/drawing/2014/main" id="{00000000-0008-0000-0700-000015000000}"/>
               </a:ext>
             </a:extLst>
           </p:cNvPr>
@@ -48956,7 +49116,7 @@
           <p:cNvPr id="6" name="Chart 5">
             <a:extLst>
               <a:ext uri="{FF2B5EF4-FFF2-40B4-BE49-F238E27FC236}">
-                <a16:creationId xmlns:a16="http://schemas.microsoft.com/office/drawing/2014/main" xmlns="" id="{00000000-0008-0000-0700-000019000000}"/>
+                <a16:creationId xmlns="" xmlns:a16="http://schemas.microsoft.com/office/drawing/2014/main" id="{00000000-0008-0000-0700-000019000000}"/>
               </a:ext>
             </a:extLst>
           </p:cNvPr>
@@ -48986,7 +49146,7 @@
           <p:cNvPr id="7" name="Chart 6">
             <a:extLst>
               <a:ext uri="{FF2B5EF4-FFF2-40B4-BE49-F238E27FC236}">
-                <a16:creationId xmlns:a16="http://schemas.microsoft.com/office/drawing/2014/main" xmlns="" id="{00000000-0008-0000-0700-00001B000000}"/>
+                <a16:creationId xmlns="" xmlns:a16="http://schemas.microsoft.com/office/drawing/2014/main" id="{00000000-0008-0000-0700-00001B000000}"/>
               </a:ext>
             </a:extLst>
           </p:cNvPr>
@@ -49024,7 +49184,7 @@
 </p:sld>
 </file>
 
-<file path=ppt/slides/slide16.xml><?xml version="1.0" encoding="utf-8"?>
+<file path=ppt/slides/slide17.xml><?xml version="1.0" encoding="utf-8"?>
 <p:sld xmlns:a="http://schemas.openxmlformats.org/drawingml/2006/main" xmlns:r="http://schemas.openxmlformats.org/officeDocument/2006/relationships" xmlns:p="http://schemas.openxmlformats.org/presentationml/2006/main">
   <p:cSld>
     <p:spTree>
@@ -49046,7 +49206,7 @@
           <p:cNvPr id="2" name="Title 1">
             <a:extLst>
               <a:ext uri="{FF2B5EF4-FFF2-40B4-BE49-F238E27FC236}">
-                <a16:creationId xmlns:a16="http://schemas.microsoft.com/office/drawing/2014/main" xmlns="" id="{3579EA32-9F92-48DA-B66B-F75F77F18D57}"/>
+                <a16:creationId xmlns="" xmlns:a16="http://schemas.microsoft.com/office/drawing/2014/main" id="{3579EA32-9F92-48DA-B66B-F75F77F18D57}"/>
               </a:ext>
             </a:extLst>
           </p:cNvPr>
@@ -49074,7 +49234,7 @@
           <p:cNvPr id="4" name="Chart 3">
             <a:extLst>
               <a:ext uri="{FF2B5EF4-FFF2-40B4-BE49-F238E27FC236}">
-                <a16:creationId xmlns:a16="http://schemas.microsoft.com/office/drawing/2014/main" xmlns="" id="{00000000-0008-0000-0B00-000015000000}"/>
+                <a16:creationId xmlns="" xmlns:a16="http://schemas.microsoft.com/office/drawing/2014/main" id="{00000000-0008-0000-0B00-000015000000}"/>
               </a:ext>
             </a:extLst>
           </p:cNvPr>
@@ -49104,7 +49264,7 @@
           <p:cNvPr id="5" name="Chart 4">
             <a:extLst>
               <a:ext uri="{FF2B5EF4-FFF2-40B4-BE49-F238E27FC236}">
-                <a16:creationId xmlns:a16="http://schemas.microsoft.com/office/drawing/2014/main" xmlns="" id="{00000000-0008-0000-0B00-000018000000}"/>
+                <a16:creationId xmlns="" xmlns:a16="http://schemas.microsoft.com/office/drawing/2014/main" id="{00000000-0008-0000-0B00-000018000000}"/>
               </a:ext>
             </a:extLst>
           </p:cNvPr>
@@ -49134,7 +49294,7 @@
           <p:cNvPr id="6" name="Chart 5">
             <a:extLst>
               <a:ext uri="{FF2B5EF4-FFF2-40B4-BE49-F238E27FC236}">
-                <a16:creationId xmlns:a16="http://schemas.microsoft.com/office/drawing/2014/main" xmlns="" id="{00000000-0008-0000-0B00-00001B000000}"/>
+                <a16:creationId xmlns="" xmlns:a16="http://schemas.microsoft.com/office/drawing/2014/main" id="{00000000-0008-0000-0B00-00001B000000}"/>
               </a:ext>
             </a:extLst>
           </p:cNvPr>
@@ -49164,7 +49324,7 @@
           <p:cNvPr id="7" name="Chart 6">
             <a:extLst>
               <a:ext uri="{FF2B5EF4-FFF2-40B4-BE49-F238E27FC236}">
-                <a16:creationId xmlns:a16="http://schemas.microsoft.com/office/drawing/2014/main" xmlns="" id="{00000000-0008-0000-0B00-00001E000000}"/>
+                <a16:creationId xmlns="" xmlns:a16="http://schemas.microsoft.com/office/drawing/2014/main" id="{00000000-0008-0000-0B00-00001E000000}"/>
               </a:ext>
             </a:extLst>
           </p:cNvPr>
@@ -49194,7 +49354,7 @@
           <p:cNvPr id="8" name="Chart 7">
             <a:extLst>
               <a:ext uri="{FF2B5EF4-FFF2-40B4-BE49-F238E27FC236}">
-                <a16:creationId xmlns:a16="http://schemas.microsoft.com/office/drawing/2014/main" xmlns="" id="{00000000-0008-0000-0B00-000021000000}"/>
+                <a16:creationId xmlns="" xmlns:a16="http://schemas.microsoft.com/office/drawing/2014/main" id="{00000000-0008-0000-0B00-000021000000}"/>
               </a:ext>
             </a:extLst>
           </p:cNvPr>
@@ -49224,7 +49384,7 @@
           <p:cNvPr id="9" name="Chart 8">
             <a:extLst>
               <a:ext uri="{FF2B5EF4-FFF2-40B4-BE49-F238E27FC236}">
-                <a16:creationId xmlns:a16="http://schemas.microsoft.com/office/drawing/2014/main" xmlns="" id="{00000000-0008-0000-0B00-000024000000}"/>
+                <a16:creationId xmlns="" xmlns:a16="http://schemas.microsoft.com/office/drawing/2014/main" id="{00000000-0008-0000-0B00-000024000000}"/>
               </a:ext>
             </a:extLst>
           </p:cNvPr>
@@ -49262,7 +49422,7 @@
 </p:sld>
 </file>
 
-<file path=ppt/slides/slide17.xml><?xml version="1.0" encoding="utf-8"?>
+<file path=ppt/slides/slide18.xml><?xml version="1.0" encoding="utf-8"?>
 <p:sld xmlns:a="http://schemas.openxmlformats.org/drawingml/2006/main" xmlns:r="http://schemas.openxmlformats.org/officeDocument/2006/relationships" xmlns:p="http://schemas.openxmlformats.org/presentationml/2006/main">
   <p:cSld>
     <p:spTree>
@@ -49284,7 +49444,7 @@
           <p:cNvPr id="2" name="Title 1">
             <a:extLst>
               <a:ext uri="{FF2B5EF4-FFF2-40B4-BE49-F238E27FC236}">
-                <a16:creationId xmlns:a16="http://schemas.microsoft.com/office/drawing/2014/main" xmlns="" id="{EBB31E5E-5EFF-48D1-A077-AFD192B0F130}"/>
+                <a16:creationId xmlns="" xmlns:a16="http://schemas.microsoft.com/office/drawing/2014/main" id="{EBB31E5E-5EFF-48D1-A077-AFD192B0F130}"/>
               </a:ext>
             </a:extLst>
           </p:cNvPr>
@@ -49313,7 +49473,7 @@
           <p:cNvPr id="3" name="Content Placeholder 2">
             <a:extLst>
               <a:ext uri="{FF2B5EF4-FFF2-40B4-BE49-F238E27FC236}">
-                <a16:creationId xmlns:a16="http://schemas.microsoft.com/office/drawing/2014/main" xmlns="" id="{DAB22FC5-DFBE-4F1C-ACFC-F0290F9552AA}"/>
+                <a16:creationId xmlns="" xmlns:a16="http://schemas.microsoft.com/office/drawing/2014/main" id="{DAB22FC5-DFBE-4F1C-ACFC-F0290F9552AA}"/>
               </a:ext>
             </a:extLst>
           </p:cNvPr>
@@ -49441,7 +49601,7 @@
           <p:cNvPr id="2" name="Title 1">
             <a:extLst>
               <a:ext uri="{FF2B5EF4-FFF2-40B4-BE49-F238E27FC236}">
-                <a16:creationId xmlns:a16="http://schemas.microsoft.com/office/drawing/2014/main" xmlns="" id="{90DBC25D-1539-4845-917F-92709B2B5E3B}"/>
+                <a16:creationId xmlns="" xmlns:a16="http://schemas.microsoft.com/office/drawing/2014/main" id="{90DBC25D-1539-4845-917F-92709B2B5E3B}"/>
               </a:ext>
             </a:extLst>
           </p:cNvPr>
@@ -49469,7 +49629,7 @@
           <p:cNvPr id="4" name="Chart 3">
             <a:extLst>
               <a:ext uri="{FF2B5EF4-FFF2-40B4-BE49-F238E27FC236}">
-                <a16:creationId xmlns:a16="http://schemas.microsoft.com/office/drawing/2014/main" xmlns="" id="{A29340A2-74E2-4484-AF18-5A71D34CC5F4}"/>
+                <a16:creationId xmlns="" xmlns:a16="http://schemas.microsoft.com/office/drawing/2014/main" id="{A29340A2-74E2-4484-AF18-5A71D34CC5F4}"/>
               </a:ext>
             </a:extLst>
           </p:cNvPr>
@@ -49499,7 +49659,7 @@
           <p:cNvPr id="7" name="Chart 6">
             <a:extLst>
               <a:ext uri="{FF2B5EF4-FFF2-40B4-BE49-F238E27FC236}">
-                <a16:creationId xmlns:a16="http://schemas.microsoft.com/office/drawing/2014/main" xmlns="" id="{03BB3B7F-4811-423D-A701-0E4FA44D3049}"/>
+                <a16:creationId xmlns="" xmlns:a16="http://schemas.microsoft.com/office/drawing/2014/main" id="{03BB3B7F-4811-423D-A701-0E4FA44D3049}"/>
               </a:ext>
             </a:extLst>
           </p:cNvPr>
@@ -49529,7 +49689,7 @@
           <p:cNvPr id="8" name="Chart 7">
             <a:extLst>
               <a:ext uri="{FF2B5EF4-FFF2-40B4-BE49-F238E27FC236}">
-                <a16:creationId xmlns:a16="http://schemas.microsoft.com/office/drawing/2014/main" xmlns="" id="{3FE2827D-D0D4-458D-8CB5-78DF80029F65}"/>
+                <a16:creationId xmlns="" xmlns:a16="http://schemas.microsoft.com/office/drawing/2014/main" id="{3FE2827D-D0D4-458D-8CB5-78DF80029F65}"/>
               </a:ext>
             </a:extLst>
           </p:cNvPr>
@@ -49559,7 +49719,7 @@
           <p:cNvPr id="9" name="TextBox 8">
             <a:extLst>
               <a:ext uri="{FF2B5EF4-FFF2-40B4-BE49-F238E27FC236}">
-                <a16:creationId xmlns:a16="http://schemas.microsoft.com/office/drawing/2014/main" xmlns="" id="{3594200C-5713-45F2-B3F6-16A7F109BBA1}"/>
+                <a16:creationId xmlns="" xmlns:a16="http://schemas.microsoft.com/office/drawing/2014/main" id="{3594200C-5713-45F2-B3F6-16A7F109BBA1}"/>
               </a:ext>
             </a:extLst>
           </p:cNvPr>
@@ -49648,7 +49808,7 @@
           <p:cNvPr id="2" name="Title 1">
             <a:extLst>
               <a:ext uri="{FF2B5EF4-FFF2-40B4-BE49-F238E27FC236}">
-                <a16:creationId xmlns:a16="http://schemas.microsoft.com/office/drawing/2014/main" xmlns="" id="{1C97C6D9-FC9C-4938-98AC-C4A995A070A6}"/>
+                <a16:creationId xmlns="" xmlns:a16="http://schemas.microsoft.com/office/drawing/2014/main" id="{1C97C6D9-FC9C-4938-98AC-C4A995A070A6}"/>
               </a:ext>
             </a:extLst>
           </p:cNvPr>
@@ -49676,7 +49836,7 @@
           <p:cNvPr id="4" name="Chart 3">
             <a:extLst>
               <a:ext uri="{FF2B5EF4-FFF2-40B4-BE49-F238E27FC236}">
-                <a16:creationId xmlns:a16="http://schemas.microsoft.com/office/drawing/2014/main" xmlns="" id="{6A8FC776-832C-4D0C-9351-A44A18627D62}"/>
+                <a16:creationId xmlns="" xmlns:a16="http://schemas.microsoft.com/office/drawing/2014/main" id="{6A8FC776-832C-4D0C-9351-A44A18627D62}"/>
               </a:ext>
             </a:extLst>
           </p:cNvPr>
@@ -49706,7 +49866,7 @@
           <p:cNvPr id="5" name="TextBox 4">
             <a:extLst>
               <a:ext uri="{FF2B5EF4-FFF2-40B4-BE49-F238E27FC236}">
-                <a16:creationId xmlns:a16="http://schemas.microsoft.com/office/drawing/2014/main" xmlns="" id="{CE68BC88-1B40-4DE1-AD8F-B33B3A6BFEAB}"/>
+                <a16:creationId xmlns="" xmlns:a16="http://schemas.microsoft.com/office/drawing/2014/main" id="{CE68BC88-1B40-4DE1-AD8F-B33B3A6BFEAB}"/>
               </a:ext>
             </a:extLst>
           </p:cNvPr>
@@ -49761,7 +49921,7 @@
         </p:txBody>
       </p:sp>
       <mc:AlternateContent xmlns:mc="http://schemas.openxmlformats.org/markup-compatibility/2006">
-        <mc:Choice xmlns:cx1="http://schemas.microsoft.com/office/drawing/2015/9/8/chartex" xmlns="" Requires="cx1">
+        <mc:Choice xmlns="" xmlns:cx1="http://schemas.microsoft.com/office/drawing/2015/9/8/chartex" Requires="cx1">
           <p:graphicFrame>
             <p:nvGraphicFramePr>
               <p:cNvPr id="6" name="Chart 5">
@@ -49797,7 +49957,7 @@
               <p:cNvPr id="6" name="Chart 5">
                 <a:extLst>
                   <a:ext uri="{FF2B5EF4-FFF2-40B4-BE49-F238E27FC236}">
-                    <a16:creationId xmlns:a16="http://schemas.microsoft.com/office/drawing/2014/main" xmlns="" xmlns:cx1="http://schemas.microsoft.com/office/drawing/2015/9/8/chartex" id="{AECECFB0-1717-48F7-BD05-C4B2719FB730}"/>
+                    <a16:creationId xmlns:cx1="http://schemas.microsoft.com/office/drawing/2015/9/8/chartex" xmlns="" xmlns:a16="http://schemas.microsoft.com/office/drawing/2014/main" id="{AECECFB0-1717-48F7-BD05-C4B2719FB730}"/>
                   </a:ext>
                 </a:extLst>
               </p:cNvPr>
@@ -49825,7 +49985,7 @@
         </mc:Fallback>
       </mc:AlternateContent>
       <mc:AlternateContent xmlns:mc="http://schemas.openxmlformats.org/markup-compatibility/2006">
-        <mc:Choice xmlns:cx1="http://schemas.microsoft.com/office/drawing/2015/9/8/chartex" xmlns="" Requires="cx1">
+        <mc:Choice xmlns="" xmlns:cx1="http://schemas.microsoft.com/office/drawing/2015/9/8/chartex" Requires="cx1">
           <p:graphicFrame>
             <p:nvGraphicFramePr>
               <p:cNvPr id="7" name="Chart 6">
@@ -49861,7 +50021,7 @@
               <p:cNvPr id="7" name="Chart 6">
                 <a:extLst>
                   <a:ext uri="{FF2B5EF4-FFF2-40B4-BE49-F238E27FC236}">
-                    <a16:creationId xmlns:a16="http://schemas.microsoft.com/office/drawing/2014/main" xmlns="" xmlns:cx1="http://schemas.microsoft.com/office/drawing/2015/9/8/chartex" id="{598F99A7-A5AA-4160-9882-F932E8FD6A7F}"/>
+                    <a16:creationId xmlns:cx1="http://schemas.microsoft.com/office/drawing/2015/9/8/chartex" xmlns="" xmlns:a16="http://schemas.microsoft.com/office/drawing/2014/main" id="{598F99A7-A5AA-4160-9882-F932E8FD6A7F}"/>
                   </a:ext>
                 </a:extLst>
               </p:cNvPr>
@@ -49893,7 +50053,7 @@
           <p:cNvPr id="8" name="Chart 7">
             <a:extLst>
               <a:ext uri="{FF2B5EF4-FFF2-40B4-BE49-F238E27FC236}">
-                <a16:creationId xmlns:a16="http://schemas.microsoft.com/office/drawing/2014/main" xmlns="" id="{39902FB4-83B0-40E2-AD19-908C2FEEBB58}"/>
+                <a16:creationId xmlns="" xmlns:a16="http://schemas.microsoft.com/office/drawing/2014/main" id="{39902FB4-83B0-40E2-AD19-908C2FEEBB58}"/>
               </a:ext>
             </a:extLst>
           </p:cNvPr>
@@ -49953,7 +50113,7 @@
           <p:cNvPr id="2" name="Title 1">
             <a:extLst>
               <a:ext uri="{FF2B5EF4-FFF2-40B4-BE49-F238E27FC236}">
-                <a16:creationId xmlns:a16="http://schemas.microsoft.com/office/drawing/2014/main" xmlns="" id="{1C97C6D9-FC9C-4938-98AC-C4A995A070A6}"/>
+                <a16:creationId xmlns="" xmlns:a16="http://schemas.microsoft.com/office/drawing/2014/main" id="{1C97C6D9-FC9C-4938-98AC-C4A995A070A6}"/>
               </a:ext>
             </a:extLst>
           </p:cNvPr>
@@ -49981,7 +50141,7 @@
           <p:cNvPr id="4" name="Chart 3">
             <a:extLst>
               <a:ext uri="{FF2B5EF4-FFF2-40B4-BE49-F238E27FC236}">
-                <a16:creationId xmlns:a16="http://schemas.microsoft.com/office/drawing/2014/main" xmlns="" id="{6A8FC776-832C-4D0C-9351-A44A18627D62}"/>
+                <a16:creationId xmlns="" xmlns:a16="http://schemas.microsoft.com/office/drawing/2014/main" id="{6A8FC776-832C-4D0C-9351-A44A18627D62}"/>
               </a:ext>
             </a:extLst>
           </p:cNvPr>
@@ -50005,7 +50165,7 @@
           <p:cNvPr id="5" name="TextBox 4">
             <a:extLst>
               <a:ext uri="{FF2B5EF4-FFF2-40B4-BE49-F238E27FC236}">
-                <a16:creationId xmlns:a16="http://schemas.microsoft.com/office/drawing/2014/main" xmlns="" id="{CE68BC88-1B40-4DE1-AD8F-B33B3A6BFEAB}"/>
+                <a16:creationId xmlns="" xmlns:a16="http://schemas.microsoft.com/office/drawing/2014/main" id="{CE68BC88-1B40-4DE1-AD8F-B33B3A6BFEAB}"/>
               </a:ext>
             </a:extLst>
           </p:cNvPr>
@@ -50050,7 +50210,7 @@
         </p:txBody>
       </p:sp>
       <mc:AlternateContent xmlns:mc="http://schemas.openxmlformats.org/markup-compatibility/2006">
-        <mc:Choice xmlns:cx1="http://schemas.microsoft.com/office/drawing/2015/9/8/chartex" xmlns="" Requires="cx1">
+        <mc:Choice xmlns="" xmlns:cx1="http://schemas.microsoft.com/office/drawing/2015/9/8/chartex" Requires="cx1">
           <p:graphicFrame>
             <p:nvGraphicFramePr>
               <p:cNvPr id="6" name="Chart 5">
@@ -50080,7 +50240,7 @@
               <p:cNvPr id="6" name="Chart 5">
                 <a:extLst>
                   <a:ext uri="{FF2B5EF4-FFF2-40B4-BE49-F238E27FC236}">
-                    <a16:creationId xmlns:a16="http://schemas.microsoft.com/office/drawing/2014/main" xmlns="" xmlns:cx1="http://schemas.microsoft.com/office/drawing/2015/9/8/chartex" id="{AECECFB0-1717-48F7-BD05-C4B2719FB730}"/>
+                    <a16:creationId xmlns:cx1="http://schemas.microsoft.com/office/drawing/2015/9/8/chartex" xmlns="" xmlns:a16="http://schemas.microsoft.com/office/drawing/2014/main" id="{AECECFB0-1717-48F7-BD05-C4B2719FB730}"/>
                   </a:ext>
                 </a:extLst>
               </p:cNvPr>
@@ -50108,7 +50268,7 @@
         </mc:Fallback>
       </mc:AlternateContent>
       <mc:AlternateContent xmlns:mc="http://schemas.openxmlformats.org/markup-compatibility/2006">
-        <mc:Choice xmlns:cx1="http://schemas.microsoft.com/office/drawing/2015/9/8/chartex" xmlns="" Requires="cx1">
+        <mc:Choice xmlns="" xmlns:cx1="http://schemas.microsoft.com/office/drawing/2015/9/8/chartex" Requires="cx1">
           <p:graphicFrame>
             <p:nvGraphicFramePr>
               <p:cNvPr id="7" name="Chart 6">
@@ -50138,7 +50298,7 @@
               <p:cNvPr id="7" name="Chart 6">
                 <a:extLst>
                   <a:ext uri="{FF2B5EF4-FFF2-40B4-BE49-F238E27FC236}">
-                    <a16:creationId xmlns:a16="http://schemas.microsoft.com/office/drawing/2014/main" xmlns="" xmlns:cx1="http://schemas.microsoft.com/office/drawing/2015/9/8/chartex" id="{598F99A7-A5AA-4160-9882-F932E8FD6A7F}"/>
+                    <a16:creationId xmlns:cx1="http://schemas.microsoft.com/office/drawing/2015/9/8/chartex" xmlns="" xmlns:a16="http://schemas.microsoft.com/office/drawing/2014/main" id="{598F99A7-A5AA-4160-9882-F932E8FD6A7F}"/>
                   </a:ext>
                 </a:extLst>
               </p:cNvPr>
@@ -50170,7 +50330,7 @@
           <p:cNvPr id="8" name="Chart 7">
             <a:extLst>
               <a:ext uri="{FF2B5EF4-FFF2-40B4-BE49-F238E27FC236}">
-                <a16:creationId xmlns:a16="http://schemas.microsoft.com/office/drawing/2014/main" xmlns="" id="{39902FB4-83B0-40E2-AD19-908C2FEEBB58}"/>
+                <a16:creationId xmlns="" xmlns:a16="http://schemas.microsoft.com/office/drawing/2014/main" id="{39902FB4-83B0-40E2-AD19-908C2FEEBB58}"/>
               </a:ext>
             </a:extLst>
           </p:cNvPr>
@@ -50224,7 +50384,7 @@
           <p:cNvPr id="2" name="Title 1">
             <a:extLst>
               <a:ext uri="{FF2B5EF4-FFF2-40B4-BE49-F238E27FC236}">
-                <a16:creationId xmlns:a16="http://schemas.microsoft.com/office/drawing/2014/main" xmlns="" id="{AEEF830C-E8E8-4C60-AB5A-E3F8DDFE9BAE}"/>
+                <a16:creationId xmlns="" xmlns:a16="http://schemas.microsoft.com/office/drawing/2014/main" id="{AEEF830C-E8E8-4C60-AB5A-E3F8DDFE9BAE}"/>
               </a:ext>
             </a:extLst>
           </p:cNvPr>
@@ -50252,7 +50412,7 @@
           <p:cNvPr id="4" name="Rectangle 3">
             <a:extLst>
               <a:ext uri="{FF2B5EF4-FFF2-40B4-BE49-F238E27FC236}">
-                <a16:creationId xmlns:a16="http://schemas.microsoft.com/office/drawing/2014/main" xmlns="" id="{2E3CEA68-A157-4745-BDB2-C497823617F1}"/>
+                <a16:creationId xmlns="" xmlns:a16="http://schemas.microsoft.com/office/drawing/2014/main" id="{2E3CEA68-A157-4745-BDB2-C497823617F1}"/>
               </a:ext>
             </a:extLst>
           </p:cNvPr>
@@ -50300,7 +50460,7 @@
           <p:cNvPr id="5" name="Chart 4">
             <a:extLst>
               <a:ext uri="{FF2B5EF4-FFF2-40B4-BE49-F238E27FC236}">
-                <a16:creationId xmlns:a16="http://schemas.microsoft.com/office/drawing/2014/main" xmlns="" id="{EAC58CB2-5979-4799-97ED-5C3796B2FD0D}"/>
+                <a16:creationId xmlns="" xmlns:a16="http://schemas.microsoft.com/office/drawing/2014/main" id="{EAC58CB2-5979-4799-97ED-5C3796B2FD0D}"/>
               </a:ext>
             </a:extLst>
           </p:cNvPr>
@@ -50360,7 +50520,7 @@
           <p:cNvPr id="2" name="Title 1">
             <a:extLst>
               <a:ext uri="{FF2B5EF4-FFF2-40B4-BE49-F238E27FC236}">
-                <a16:creationId xmlns:a16="http://schemas.microsoft.com/office/drawing/2014/main" xmlns="" id="{F1FEFA1D-242E-4AE3-B846-C8A162523F19}"/>
+                <a16:creationId xmlns="" xmlns:a16="http://schemas.microsoft.com/office/drawing/2014/main" id="{F1FEFA1D-242E-4AE3-B846-C8A162523F19}"/>
               </a:ext>
             </a:extLst>
           </p:cNvPr>
@@ -50388,7 +50548,7 @@
           <p:cNvPr id="4" name="Rectangle 3">
             <a:extLst>
               <a:ext uri="{FF2B5EF4-FFF2-40B4-BE49-F238E27FC236}">
-                <a16:creationId xmlns:a16="http://schemas.microsoft.com/office/drawing/2014/main" xmlns="" id="{0225536D-CBB5-45C7-96E7-4CECD62E5A0C}"/>
+                <a16:creationId xmlns="" xmlns:a16="http://schemas.microsoft.com/office/drawing/2014/main" id="{0225536D-CBB5-45C7-96E7-4CECD62E5A0C}"/>
               </a:ext>
             </a:extLst>
           </p:cNvPr>
@@ -50716,7 +50876,7 @@
           <p:cNvPr id="2" name="Title 1">
             <a:extLst>
               <a:ext uri="{FF2B5EF4-FFF2-40B4-BE49-F238E27FC236}">
-                <a16:creationId xmlns:a16="http://schemas.microsoft.com/office/drawing/2014/main" xmlns="" id="{67C2C9B9-9509-4C96-9D0D-62A5E03DB149}"/>
+                <a16:creationId xmlns="" xmlns:a16="http://schemas.microsoft.com/office/drawing/2014/main" id="{67C2C9B9-9509-4C96-9D0D-62A5E03DB149}"/>
               </a:ext>
             </a:extLst>
           </p:cNvPr>
@@ -50740,7 +50900,7 @@
         </p:txBody>
       </p:sp>
       <mc:AlternateContent xmlns:mc="http://schemas.openxmlformats.org/markup-compatibility/2006">
-        <mc:Choice xmlns:cx1="http://schemas.microsoft.com/office/drawing/2015/9/8/chartex" xmlns="" Requires="cx1">
+        <mc:Choice xmlns="" xmlns:cx1="http://schemas.microsoft.com/office/drawing/2015/9/8/chartex" Requires="cx1">
           <p:graphicFrame>
             <p:nvGraphicFramePr>
               <p:cNvPr id="4" name="Chart 3">
@@ -50776,7 +50936,7 @@
               <p:cNvPr id="4" name="Chart 3">
                 <a:extLst>
                   <a:ext uri="{FF2B5EF4-FFF2-40B4-BE49-F238E27FC236}">
-                    <a16:creationId xmlns:a16="http://schemas.microsoft.com/office/drawing/2014/main" xmlns="" xmlns:cx1="http://schemas.microsoft.com/office/drawing/2015/9/8/chartex" id="{E672C1BC-CF96-4DD8-98B5-3E0E3B5545E0}"/>
+                    <a16:creationId xmlns:cx1="http://schemas.microsoft.com/office/drawing/2015/9/8/chartex" xmlns="" xmlns:a16="http://schemas.microsoft.com/office/drawing/2014/main" id="{E672C1BC-CF96-4DD8-98B5-3E0E3B5545E0}"/>
                   </a:ext>
                 </a:extLst>
               </p:cNvPr>
@@ -50808,7 +50968,7 @@
           <p:cNvPr id="5" name="TextBox 4">
             <a:extLst>
               <a:ext uri="{FF2B5EF4-FFF2-40B4-BE49-F238E27FC236}">
-                <a16:creationId xmlns:a16="http://schemas.microsoft.com/office/drawing/2014/main" xmlns="" id="{DE9E7E4A-2B2F-436E-A730-00F3721578E2}"/>
+                <a16:creationId xmlns="" xmlns:a16="http://schemas.microsoft.com/office/drawing/2014/main" id="{DE9E7E4A-2B2F-436E-A730-00F3721578E2}"/>
               </a:ext>
             </a:extLst>
           </p:cNvPr>
@@ -50941,7 +51101,7 @@
           <p:cNvPr id="2" name="Title 1">
             <a:extLst>
               <a:ext uri="{FF2B5EF4-FFF2-40B4-BE49-F238E27FC236}">
-                <a16:creationId xmlns:a16="http://schemas.microsoft.com/office/drawing/2014/main" xmlns="" id="{20670AF7-CFE6-48C3-8C13-6E5BD8023A19}"/>
+                <a16:creationId xmlns="" xmlns:a16="http://schemas.microsoft.com/office/drawing/2014/main" id="{20670AF7-CFE6-48C3-8C13-6E5BD8023A19}"/>
               </a:ext>
             </a:extLst>
           </p:cNvPr>
@@ -50969,7 +51129,7 @@
           <p:cNvPr id="8" name="Picture 7">
             <a:extLst>
               <a:ext uri="{FF2B5EF4-FFF2-40B4-BE49-F238E27FC236}">
-                <a16:creationId xmlns:a16="http://schemas.microsoft.com/office/drawing/2014/main" xmlns="" id="{76394FFF-D924-4D44-A8D8-B6D9493449B2}"/>
+                <a16:creationId xmlns="" xmlns:a16="http://schemas.microsoft.com/office/drawing/2014/main" id="{76394FFF-D924-4D44-A8D8-B6D9493449B2}"/>
               </a:ext>
             </a:extLst>
           </p:cNvPr>
@@ -50992,8 +51152,8 @@
         </p:blipFill>
         <p:spPr>
           <a:xfrm>
-            <a:off x="7419299" y="4108926"/>
-            <a:ext cx="3934501" cy="2247167"/>
+            <a:off x="7419300" y="4155849"/>
+            <a:ext cx="2405862" cy="1374094"/>
           </a:xfrm>
           <a:prstGeom prst="rect">
             <a:avLst/>
@@ -51005,7 +51165,7 @@
           <p:cNvPr id="12" name="Group 11">
             <a:extLst>
               <a:ext uri="{FF2B5EF4-FFF2-40B4-BE49-F238E27FC236}">
-                <a16:creationId xmlns:a16="http://schemas.microsoft.com/office/drawing/2014/main" xmlns="" id="{1CDF8C42-B80D-4727-BDC2-BCB2A2EF51BF}"/>
+                <a16:creationId xmlns="" xmlns:a16="http://schemas.microsoft.com/office/drawing/2014/main" id="{1CDF8C42-B80D-4727-BDC2-BCB2A2EF51BF}"/>
               </a:ext>
             </a:extLst>
           </p:cNvPr>
@@ -51025,7 +51185,7 @@
             <p:cNvPr id="6" name="Picture 5">
               <a:extLst>
                 <a:ext uri="{FF2B5EF4-FFF2-40B4-BE49-F238E27FC236}">
-                  <a16:creationId xmlns:a16="http://schemas.microsoft.com/office/drawing/2014/main" xmlns="" id="{E2183FAF-35A2-455A-9557-5D28804B674B}"/>
+                  <a16:creationId xmlns="" xmlns:a16="http://schemas.microsoft.com/office/drawing/2014/main" id="{E2183FAF-35A2-455A-9557-5D28804B674B}"/>
                 </a:ext>
               </a:extLst>
             </p:cNvPr>
@@ -51061,7 +51221,7 @@
             <p:cNvPr id="9" name="Rectangle 8">
               <a:extLst>
                 <a:ext uri="{FF2B5EF4-FFF2-40B4-BE49-F238E27FC236}">
-                  <a16:creationId xmlns:a16="http://schemas.microsoft.com/office/drawing/2014/main" xmlns="" id="{4544D115-3D60-4F9E-A042-B74E8A0B3BFE}"/>
+                  <a16:creationId xmlns="" xmlns:a16="http://schemas.microsoft.com/office/drawing/2014/main" id="{4544D115-3D60-4F9E-A042-B74E8A0B3BFE}"/>
                 </a:ext>
               </a:extLst>
             </p:cNvPr>
@@ -51109,7 +51269,7 @@
           <p:cNvPr id="11" name="Straight Arrow Connector 10">
             <a:extLst>
               <a:ext uri="{FF2B5EF4-FFF2-40B4-BE49-F238E27FC236}">
-                <a16:creationId xmlns:a16="http://schemas.microsoft.com/office/drawing/2014/main" xmlns="" id="{2611C97A-1A51-4D0A-BBCB-D50C17E0DB50}"/>
+                <a16:creationId xmlns="" xmlns:a16="http://schemas.microsoft.com/office/drawing/2014/main" id="{2611C97A-1A51-4D0A-BBCB-D50C17E0DB50}"/>
               </a:ext>
             </a:extLst>
           </p:cNvPr>
@@ -51123,7 +51283,7 @@
         <p:spPr>
           <a:xfrm>
             <a:off x="7803827" y="1368898"/>
-            <a:ext cx="1582723" cy="2740028"/>
+            <a:ext cx="818404" cy="2786951"/>
           </a:xfrm>
           <a:prstGeom prst="straightConnector1">
             <a:avLst/>
@@ -51152,7 +51312,7 @@
           <p:cNvPr id="19" name="Picture 18">
             <a:extLst>
               <a:ext uri="{FF2B5EF4-FFF2-40B4-BE49-F238E27FC236}">
-                <a16:creationId xmlns:a16="http://schemas.microsoft.com/office/drawing/2014/main" xmlns="" id="{D08A5119-9B6D-4777-A556-8A6F7AE6A2F9}"/>
+                <a16:creationId xmlns="" xmlns:a16="http://schemas.microsoft.com/office/drawing/2014/main" id="{D08A5119-9B6D-4777-A556-8A6F7AE6A2F9}"/>
               </a:ext>
             </a:extLst>
           </p:cNvPr>
@@ -51188,7 +51348,7 @@
           <p:cNvPr id="20" name="Rectangle 19">
             <a:extLst>
               <a:ext uri="{FF2B5EF4-FFF2-40B4-BE49-F238E27FC236}">
-                <a16:creationId xmlns:a16="http://schemas.microsoft.com/office/drawing/2014/main" xmlns="" id="{A10C6556-4C00-49FA-8A62-97103F9C8696}"/>
+                <a16:creationId xmlns="" xmlns:a16="http://schemas.microsoft.com/office/drawing/2014/main" id="{A10C6556-4C00-49FA-8A62-97103F9C8696}"/>
               </a:ext>
             </a:extLst>
           </p:cNvPr>
@@ -51239,7 +51399,7 @@
           <p:cNvPr id="22" name="Straight Arrow Connector 21">
             <a:extLst>
               <a:ext uri="{FF2B5EF4-FFF2-40B4-BE49-F238E27FC236}">
-                <a16:creationId xmlns:a16="http://schemas.microsoft.com/office/drawing/2014/main" xmlns="" id="{95477F1A-8260-47EB-82DF-39394A7BBA55}"/>
+                <a16:creationId xmlns="" xmlns:a16="http://schemas.microsoft.com/office/drawing/2014/main" id="{95477F1A-8260-47EB-82DF-39394A7BBA55}"/>
               </a:ext>
             </a:extLst>
           </p:cNvPr>
@@ -51281,7 +51441,7 @@
           <p:cNvPr id="23" name="TextBox 22">
             <a:extLst>
               <a:ext uri="{FF2B5EF4-FFF2-40B4-BE49-F238E27FC236}">
-                <a16:creationId xmlns:a16="http://schemas.microsoft.com/office/drawing/2014/main" xmlns="" id="{DE339BC5-8C5F-449B-8BED-91813F3C0DCD}"/>
+                <a16:creationId xmlns="" xmlns:a16="http://schemas.microsoft.com/office/drawing/2014/main" id="{DE339BC5-8C5F-449B-8BED-91813F3C0DCD}"/>
               </a:ext>
             </a:extLst>
           </p:cNvPr>
@@ -51316,7 +51476,7 @@
           <p:cNvPr id="24" name="TextBox 23">
             <a:extLst>
               <a:ext uri="{FF2B5EF4-FFF2-40B4-BE49-F238E27FC236}">
-                <a16:creationId xmlns:a16="http://schemas.microsoft.com/office/drawing/2014/main" xmlns="" id="{1A736F22-0153-4791-B569-07077C122C7C}"/>
+                <a16:creationId xmlns="" xmlns:a16="http://schemas.microsoft.com/office/drawing/2014/main" id="{1A736F22-0153-4791-B569-07077C122C7C}"/>
               </a:ext>
             </a:extLst>
           </p:cNvPr>
@@ -51386,13 +51546,7 @@
       </p:grpSpPr>
       <p:sp>
         <p:nvSpPr>
-          <p:cNvPr id="2" name="Title 1">
-            <a:extLst>
-              <a:ext uri="{FF2B5EF4-FFF2-40B4-BE49-F238E27FC236}">
-                <a16:creationId xmlns:a16="http://schemas.microsoft.com/office/drawing/2014/main" xmlns="" id="{CEC3B887-7394-48AA-907B-0B9BE4521DDA}"/>
-              </a:ext>
-            </a:extLst>
-          </p:cNvPr>
+          <p:cNvPr id="2" name="Título 1"/>
           <p:cNvSpPr>
             <a:spLocks noGrp="1"/>
           </p:cNvSpPr>
@@ -51405,179 +51559,33 @@
           <a:bodyPr/>
           <a:lstStyle/>
           <a:p>
-            <a:r>
-              <a:rPr lang="en-US" dirty="0"/>
-              <a:t>Phase Steps: Frequency (SS fit vs LM)</a:t>
-            </a:r>
+            <a:endParaRPr lang="pt-BR"/>
           </a:p>
         </p:txBody>
       </p:sp>
-      <p:graphicFrame>
-        <p:nvGraphicFramePr>
-          <p:cNvPr id="6" name="Chart 5">
-            <a:extLst>
-              <a:ext uri="{FF2B5EF4-FFF2-40B4-BE49-F238E27FC236}">
-                <a16:creationId xmlns:a16="http://schemas.microsoft.com/office/drawing/2014/main" xmlns="" id="{00000000-0008-0000-0200-000006000000}"/>
-              </a:ext>
-            </a:extLst>
-          </p:cNvPr>
-          <p:cNvGraphicFramePr>
-            <a:graphicFrameLocks/>
-          </p:cNvGraphicFramePr>
-          <p:nvPr>
-            <p:extLst>
-              <p:ext uri="{D42A27DB-BD31-4B8C-83A1-F6EECF244321}">
-                <p14:modId xmlns:p14="http://schemas.microsoft.com/office/powerpoint/2010/main" val="2156818716"/>
-              </p:ext>
-            </p:extLst>
-          </p:nvPr>
-        </p:nvGraphicFramePr>
-        <p:xfrm>
-          <a:off x="664724" y="1690688"/>
-          <a:ext cx="4267200" cy="2305050"/>
-        </p:xfrm>
-        <a:graphic>
-          <a:graphicData uri="http://schemas.openxmlformats.org/drawingml/2006/chart">
-            <c:chart xmlns:c="http://schemas.openxmlformats.org/drawingml/2006/chart" xmlns:r="http://schemas.openxmlformats.org/officeDocument/2006/relationships" r:id="rId2"/>
-          </a:graphicData>
-        </a:graphic>
-      </p:graphicFrame>
-      <p:graphicFrame>
-        <p:nvGraphicFramePr>
-          <p:cNvPr id="7" name="Chart 6">
-            <a:extLst>
-              <a:ext uri="{FF2B5EF4-FFF2-40B4-BE49-F238E27FC236}">
-                <a16:creationId xmlns:a16="http://schemas.microsoft.com/office/drawing/2014/main" xmlns="" id="{39CBA168-4755-47D9-A6D8-293346C245F1}"/>
-              </a:ext>
-            </a:extLst>
-          </p:cNvPr>
-          <p:cNvGraphicFramePr>
-            <a:graphicFrameLocks/>
-          </p:cNvGraphicFramePr>
-          <p:nvPr>
-            <p:extLst>
-              <p:ext uri="{D42A27DB-BD31-4B8C-83A1-F6EECF244321}">
-                <p14:modId xmlns:p14="http://schemas.microsoft.com/office/powerpoint/2010/main" val="3567099333"/>
-              </p:ext>
-            </p:extLst>
-          </p:nvPr>
-        </p:nvGraphicFramePr>
-        <p:xfrm>
-          <a:off x="664724" y="4168776"/>
-          <a:ext cx="4267200" cy="2305050"/>
-        </p:xfrm>
-        <a:graphic>
-          <a:graphicData uri="http://schemas.openxmlformats.org/drawingml/2006/chart">
-            <c:chart xmlns:c="http://schemas.openxmlformats.org/drawingml/2006/chart" xmlns:r="http://schemas.openxmlformats.org/officeDocument/2006/relationships" r:id="rId3"/>
-          </a:graphicData>
-        </a:graphic>
-      </p:graphicFrame>
-      <p:graphicFrame>
-        <p:nvGraphicFramePr>
-          <p:cNvPr id="8" name="Chart 7">
-            <a:extLst>
-              <a:ext uri="{FF2B5EF4-FFF2-40B4-BE49-F238E27FC236}">
-                <a16:creationId xmlns:a16="http://schemas.microsoft.com/office/drawing/2014/main" xmlns="" id="{94DE2BA4-B2B6-4A96-9E69-60520E982C53}"/>
-              </a:ext>
-            </a:extLst>
-          </p:cNvPr>
-          <p:cNvGraphicFramePr>
-            <a:graphicFrameLocks/>
-          </p:cNvGraphicFramePr>
-          <p:nvPr>
-            <p:extLst>
-              <p:ext uri="{D42A27DB-BD31-4B8C-83A1-F6EECF244321}">
-                <p14:modId xmlns:p14="http://schemas.microsoft.com/office/powerpoint/2010/main" val="2485491715"/>
-              </p:ext>
-            </p:extLst>
-          </p:nvPr>
-        </p:nvGraphicFramePr>
-        <p:xfrm>
-          <a:off x="6190034" y="1690688"/>
-          <a:ext cx="4267200" cy="2305050"/>
-        </p:xfrm>
-        <a:graphic>
-          <a:graphicData uri="http://schemas.openxmlformats.org/drawingml/2006/chart">
-            <c:chart xmlns:c="http://schemas.openxmlformats.org/drawingml/2006/chart" xmlns:r="http://schemas.openxmlformats.org/officeDocument/2006/relationships" r:id="rId4"/>
-          </a:graphicData>
-        </a:graphic>
-      </p:graphicFrame>
       <p:sp>
         <p:nvSpPr>
-          <p:cNvPr id="10" name="TextBox 9">
-            <a:extLst>
-              <a:ext uri="{FF2B5EF4-FFF2-40B4-BE49-F238E27FC236}">
-                <a16:creationId xmlns:a16="http://schemas.microsoft.com/office/drawing/2014/main" xmlns="" id="{E0E0F4D1-43C5-47B7-A9EF-F7BED78533B5}"/>
-              </a:ext>
-            </a:extLst>
-          </p:cNvPr>
-          <p:cNvSpPr txBox="1"/>
-          <p:nvPr/>
+          <p:cNvPr id="3" name="Espaço Reservado para Conteúdo 2"/>
+          <p:cNvSpPr>
+            <a:spLocks noGrp="1"/>
+          </p:cNvSpPr>
+          <p:nvPr>
+            <p:ph idx="1"/>
+          </p:nvPr>
         </p:nvSpPr>
-        <p:spPr>
-          <a:xfrm>
-            <a:off x="6096000" y="4503906"/>
-            <a:ext cx="6027740" cy="1200329"/>
-          </a:xfrm>
-          <a:prstGeom prst="rect">
-            <a:avLst/>
-          </a:prstGeom>
-          <a:noFill/>
-        </p:spPr>
+        <p:spPr/>
         <p:txBody>
-          <a:bodyPr wrap="none" rtlCol="0">
-            <a:spAutoFit/>
-          </a:bodyPr>
+          <a:bodyPr/>
           <a:lstStyle/>
           <a:p>
-            <a:r>
-              <a:rPr lang="en-US" dirty="0"/>
-              <a:t>LM is more stable and accurate for different step instants (tau</a:t>
-            </a:r>
-            <a:r>
-              <a:rPr lang="en-US" dirty="0" smtClean="0"/>
-              <a:t>)</a:t>
-            </a:r>
-          </a:p>
-          <a:p>
-            <a:endParaRPr lang="en-US" dirty="0" smtClean="0"/>
-          </a:p>
-          <a:p>
-            <a:r>
-              <a:rPr lang="en-US" dirty="0" smtClean="0">
-                <a:solidFill>
-                  <a:srgbClr val="FF0000"/>
-                </a:solidFill>
-              </a:rPr>
-              <a:t>Uncertainty?</a:t>
-            </a:r>
-            <a:endParaRPr lang="en-US" dirty="0">
-              <a:solidFill>
-                <a:srgbClr val="FF0000"/>
-              </a:solidFill>
-            </a:endParaRPr>
-          </a:p>
-          <a:p>
-            <a:r>
-              <a:rPr lang="en-US" dirty="0" smtClean="0">
-                <a:solidFill>
-                  <a:srgbClr val="FF0000"/>
-                </a:solidFill>
-              </a:rPr>
-              <a:t>What about other phases? </a:t>
-            </a:r>
-            <a:endParaRPr lang="en-US" dirty="0">
-              <a:solidFill>
-                <a:srgbClr val="FF0000"/>
-              </a:solidFill>
-            </a:endParaRPr>
+            <a:endParaRPr lang="pt-BR"/>
           </a:p>
         </p:txBody>
       </p:sp>
     </p:spTree>
     <p:extLst>
       <p:ext uri="{BB962C8B-B14F-4D97-AF65-F5344CB8AC3E}">
-        <p14:creationId xmlns:p14="http://schemas.microsoft.com/office/powerpoint/2010/main" val="3718532719"/>
+        <p14:creationId xmlns:p14="http://schemas.microsoft.com/office/powerpoint/2010/main" val="3766029160"/>
       </p:ext>
     </p:extLst>
   </p:cSld>
